--- a/src/GUILayout/Images/Button_icons.pptx
+++ b/src/GUILayout/Images/Button_icons.pptx
@@ -5,10 +5,11 @@
     <p:sldMasterId id="2147483660" r:id="rId1"/>
   </p:sldMasterIdLst>
   <p:sldIdLst>
-    <p:sldId id="257" r:id="rId2"/>
-    <p:sldId id="258" r:id="rId3"/>
-    <p:sldId id="259" r:id="rId4"/>
-    <p:sldId id="260" r:id="rId5"/>
+    <p:sldId id="261" r:id="rId2"/>
+    <p:sldId id="257" r:id="rId3"/>
+    <p:sldId id="258" r:id="rId4"/>
+    <p:sldId id="259" r:id="rId5"/>
+    <p:sldId id="260" r:id="rId6"/>
   </p:sldIdLst>
   <p:sldSz cx="12192000" cy="6858000"/>
   <p:notesSz cx="6858000" cy="9144000"/>
@@ -4768,7 +4769,7 @@
           <a:p>
             <a:fld id="{5EED903C-5720-4BE7-A28A-679E9FB2154F}" type="datetimeFigureOut">
               <a:rPr lang="de-DE" smtClean="0"/>
-              <a:t>30.07.2020</a:t>
+              <a:t>17.02.2022</a:t>
             </a:fld>
             <a:endParaRPr lang="de-DE"/>
           </a:p>
@@ -4938,7 +4939,7 @@
           <a:p>
             <a:fld id="{5EED903C-5720-4BE7-A28A-679E9FB2154F}" type="datetimeFigureOut">
               <a:rPr lang="de-DE" smtClean="0"/>
-              <a:t>30.07.2020</a:t>
+              <a:t>17.02.2022</a:t>
             </a:fld>
             <a:endParaRPr lang="de-DE"/>
           </a:p>
@@ -5118,7 +5119,7 @@
           <a:p>
             <a:fld id="{5EED903C-5720-4BE7-A28A-679E9FB2154F}" type="datetimeFigureOut">
               <a:rPr lang="de-DE" smtClean="0"/>
-              <a:t>30.07.2020</a:t>
+              <a:t>17.02.2022</a:t>
             </a:fld>
             <a:endParaRPr lang="de-DE"/>
           </a:p>
@@ -5288,7 +5289,7 @@
           <a:p>
             <a:fld id="{5EED903C-5720-4BE7-A28A-679E9FB2154F}" type="datetimeFigureOut">
               <a:rPr lang="de-DE" smtClean="0"/>
-              <a:t>30.07.2020</a:t>
+              <a:t>17.02.2022</a:t>
             </a:fld>
             <a:endParaRPr lang="de-DE"/>
           </a:p>
@@ -5534,7 +5535,7 @@
           <a:p>
             <a:fld id="{5EED903C-5720-4BE7-A28A-679E9FB2154F}" type="datetimeFigureOut">
               <a:rPr lang="de-DE" smtClean="0"/>
-              <a:t>30.07.2020</a:t>
+              <a:t>17.02.2022</a:t>
             </a:fld>
             <a:endParaRPr lang="de-DE"/>
           </a:p>
@@ -5766,7 +5767,7 @@
           <a:p>
             <a:fld id="{5EED903C-5720-4BE7-A28A-679E9FB2154F}" type="datetimeFigureOut">
               <a:rPr lang="de-DE" smtClean="0"/>
-              <a:t>30.07.2020</a:t>
+              <a:t>17.02.2022</a:t>
             </a:fld>
             <a:endParaRPr lang="de-DE"/>
           </a:p>
@@ -6133,7 +6134,7 @@
           <a:p>
             <a:fld id="{5EED903C-5720-4BE7-A28A-679E9FB2154F}" type="datetimeFigureOut">
               <a:rPr lang="de-DE" smtClean="0"/>
-              <a:t>30.07.2020</a:t>
+              <a:t>17.02.2022</a:t>
             </a:fld>
             <a:endParaRPr lang="de-DE"/>
           </a:p>
@@ -6251,7 +6252,7 @@
           <a:p>
             <a:fld id="{5EED903C-5720-4BE7-A28A-679E9FB2154F}" type="datetimeFigureOut">
               <a:rPr lang="de-DE" smtClean="0"/>
-              <a:t>30.07.2020</a:t>
+              <a:t>17.02.2022</a:t>
             </a:fld>
             <a:endParaRPr lang="de-DE"/>
           </a:p>
@@ -6346,7 +6347,7 @@
           <a:p>
             <a:fld id="{5EED903C-5720-4BE7-A28A-679E9FB2154F}" type="datetimeFigureOut">
               <a:rPr lang="de-DE" smtClean="0"/>
-              <a:t>30.07.2020</a:t>
+              <a:t>17.02.2022</a:t>
             </a:fld>
             <a:endParaRPr lang="de-DE"/>
           </a:p>
@@ -6623,7 +6624,7 @@
           <a:p>
             <a:fld id="{5EED903C-5720-4BE7-A28A-679E9FB2154F}" type="datetimeFigureOut">
               <a:rPr lang="de-DE" smtClean="0"/>
-              <a:t>30.07.2020</a:t>
+              <a:t>17.02.2022</a:t>
             </a:fld>
             <a:endParaRPr lang="de-DE"/>
           </a:p>
@@ -6880,7 +6881,7 @@
           <a:p>
             <a:fld id="{5EED903C-5720-4BE7-A28A-679E9FB2154F}" type="datetimeFigureOut">
               <a:rPr lang="de-DE" smtClean="0"/>
-              <a:t>30.07.2020</a:t>
+              <a:t>17.02.2022</a:t>
             </a:fld>
             <a:endParaRPr lang="de-DE"/>
           </a:p>
@@ -7093,7 +7094,7 @@
           <a:p>
             <a:fld id="{5EED903C-5720-4BE7-A28A-679E9FB2154F}" type="datetimeFigureOut">
               <a:rPr lang="de-DE" smtClean="0"/>
-              <a:t>30.07.2020</a:t>
+              <a:t>17.02.2022</a:t>
             </a:fld>
             <a:endParaRPr lang="de-DE"/>
           </a:p>
@@ -7482,6 +7483,2956 @@
 </file>
 
 <file path=ppt/slides/slide1.xml><?xml version="1.0" encoding="utf-8"?>
+<p:sld xmlns:a="http://schemas.openxmlformats.org/drawingml/2006/main" xmlns:r="http://schemas.openxmlformats.org/officeDocument/2006/relationships" xmlns:p="http://schemas.openxmlformats.org/presentationml/2006/main">
+  <p:cSld>
+    <p:spTree>
+      <p:nvGrpSpPr>
+        <p:cNvPr id="1" name=""/>
+        <p:cNvGrpSpPr/>
+        <p:nvPr/>
+      </p:nvGrpSpPr>
+      <p:grpSpPr>
+        <a:xfrm>
+          <a:off x="0" y="0"/>
+          <a:ext cx="0" cy="0"/>
+          <a:chOff x="0" y="0"/>
+          <a:chExt cx="0" cy="0"/>
+        </a:xfrm>
+      </p:grpSpPr>
+      <p:grpSp>
+        <p:nvGrpSpPr>
+          <p:cNvPr id="130" name="Gruppieren 129"/>
+          <p:cNvGrpSpPr/>
+          <p:nvPr/>
+        </p:nvGrpSpPr>
+        <p:grpSpPr>
+          <a:xfrm>
+            <a:off x="1698787" y="-92975"/>
+            <a:ext cx="1692000" cy="1692000"/>
+            <a:chOff x="1698787" y="-92975"/>
+            <a:chExt cx="1692000" cy="1692000"/>
+          </a:xfrm>
+        </p:grpSpPr>
+        <p:grpSp>
+          <p:nvGrpSpPr>
+            <p:cNvPr id="129" name="Gruppieren 128"/>
+            <p:cNvGrpSpPr/>
+            <p:nvPr/>
+          </p:nvGrpSpPr>
+          <p:grpSpPr>
+            <a:xfrm>
+              <a:off x="1788787" y="-2975"/>
+              <a:ext cx="1512000" cy="1512000"/>
+              <a:chOff x="1775820" y="0"/>
+              <a:chExt cx="1512000" cy="1512000"/>
+            </a:xfrm>
+          </p:grpSpPr>
+          <p:sp>
+            <p:nvSpPr>
+              <p:cNvPr id="4" name="Textfeld 3">
+                <a:extLst>
+                  <a:ext uri="{FF2B5EF4-FFF2-40B4-BE49-F238E27FC236}">
+                    <a16:creationId xmlns:a16="http://schemas.microsoft.com/office/drawing/2014/main" id="{5AFA251F-368D-4F3A-9B62-95E6FC2B494E}"/>
+                  </a:ext>
+                </a:extLst>
+              </p:cNvPr>
+              <p:cNvSpPr txBox="1"/>
+              <p:nvPr/>
+            </p:nvSpPr>
+            <p:spPr>
+              <a:xfrm>
+                <a:off x="1775820" y="1260000"/>
+                <a:ext cx="1512000" cy="252000"/>
+              </a:xfrm>
+              <a:prstGeom prst="rect">
+                <a:avLst/>
+              </a:prstGeom>
+              <a:noFill/>
+            </p:spPr>
+            <p:txBody>
+              <a:bodyPr wrap="square" lIns="0" tIns="0" rIns="0" bIns="0" rtlCol="0" anchor="ctr" anchorCtr="0">
+                <a:noAutofit/>
+              </a:bodyPr>
+              <a:lstStyle/>
+              <a:p>
+                <a:pPr algn="ctr"/>
+                <a:r>
+                  <a:rPr lang="de-DE" sz="1200" dirty="0" smtClean="0">
+                    <a:latin typeface="Arial Rounded MT Bold" panose="020F0704030504030204" pitchFamily="34" charset="0"/>
+                  </a:rPr>
+                  <a:t>Data </a:t>
+                </a:r>
+                <a:r>
+                  <a:rPr lang="de-DE" sz="1200" dirty="0" err="1">
+                    <a:latin typeface="Arial Rounded MT Bold" panose="020F0704030504030204" pitchFamily="34" charset="0"/>
+                  </a:rPr>
+                  <a:t>c</a:t>
+                </a:r>
+                <a:r>
+                  <a:rPr lang="de-DE" sz="1200" dirty="0" err="1" smtClean="0">
+                    <a:latin typeface="Arial Rounded MT Bold" panose="020F0704030504030204" pitchFamily="34" charset="0"/>
+                  </a:rPr>
+                  <a:t>lassification</a:t>
+                </a:r>
+                <a:endParaRPr lang="en-US" sz="1400" dirty="0">
+                  <a:latin typeface="Arial Rounded MT Bold" panose="020F0704030504030204" pitchFamily="34" charset="0"/>
+                </a:endParaRPr>
+              </a:p>
+            </p:txBody>
+          </p:sp>
+          <p:grpSp>
+            <p:nvGrpSpPr>
+              <p:cNvPr id="5" name="Gruppieren 4"/>
+              <p:cNvGrpSpPr/>
+              <p:nvPr/>
+            </p:nvGrpSpPr>
+            <p:grpSpPr>
+              <a:xfrm>
+                <a:off x="1937820" y="0"/>
+                <a:ext cx="1188000" cy="1188000"/>
+                <a:chOff x="627145" y="1006642"/>
+                <a:chExt cx="720000" cy="720000"/>
+              </a:xfrm>
+            </p:grpSpPr>
+            <p:cxnSp>
+              <p:nvCxnSpPr>
+                <p:cNvPr id="6" name="Gewinkelter Verbinder 5"/>
+                <p:cNvCxnSpPr/>
+                <p:nvPr/>
+              </p:nvCxnSpPr>
+              <p:spPr>
+                <a:xfrm>
+                  <a:off x="627145" y="1006642"/>
+                  <a:ext cx="720000" cy="720000"/>
+                </a:xfrm>
+                <a:prstGeom prst="bentConnector3">
+                  <a:avLst>
+                    <a:gd name="adj1" fmla="val 0"/>
+                  </a:avLst>
+                </a:prstGeom>
+                <a:ln w="57150">
+                  <a:solidFill>
+                    <a:schemeClr val="tx1"/>
+                  </a:solidFill>
+                </a:ln>
+              </p:spPr>
+              <p:style>
+                <a:lnRef idx="1">
+                  <a:schemeClr val="accent1"/>
+                </a:lnRef>
+                <a:fillRef idx="0">
+                  <a:schemeClr val="accent1"/>
+                </a:fillRef>
+                <a:effectRef idx="0">
+                  <a:schemeClr val="accent1"/>
+                </a:effectRef>
+                <a:fontRef idx="minor">
+                  <a:schemeClr val="tx1"/>
+                </a:fontRef>
+              </p:style>
+            </p:cxnSp>
+            <p:sp>
+              <p:nvSpPr>
+                <p:cNvPr id="7" name="Ellipse 6"/>
+                <p:cNvSpPr/>
+                <p:nvPr/>
+              </p:nvSpPr>
+              <p:spPr>
+                <a:xfrm>
+                  <a:off x="1188809" y="1105986"/>
+                  <a:ext cx="54000" cy="54000"/>
+                </a:xfrm>
+                <a:prstGeom prst="ellipse">
+                  <a:avLst/>
+                </a:prstGeom>
+                <a:solidFill>
+                  <a:schemeClr val="tx1"/>
+                </a:solidFill>
+                <a:ln>
+                  <a:noFill/>
+                </a:ln>
+              </p:spPr>
+              <p:style>
+                <a:lnRef idx="2">
+                  <a:schemeClr val="accent1">
+                    <a:shade val="50000"/>
+                  </a:schemeClr>
+                </a:lnRef>
+                <a:fillRef idx="1">
+                  <a:schemeClr val="accent1"/>
+                </a:fillRef>
+                <a:effectRef idx="0">
+                  <a:schemeClr val="accent1"/>
+                </a:effectRef>
+                <a:fontRef idx="minor">
+                  <a:schemeClr val="lt1"/>
+                </a:fontRef>
+              </p:style>
+              <p:txBody>
+                <a:bodyPr rtlCol="0" anchor="ctr"/>
+                <a:lstStyle/>
+                <a:p>
+                  <a:pPr algn="ctr"/>
+                  <a:endParaRPr lang="de-DE"/>
+                </a:p>
+              </p:txBody>
+            </p:sp>
+            <p:sp>
+              <p:nvSpPr>
+                <p:cNvPr id="8" name="Ellipse 7"/>
+                <p:cNvSpPr/>
+                <p:nvPr/>
+              </p:nvSpPr>
+              <p:spPr>
+                <a:xfrm>
+                  <a:off x="1134305" y="1205330"/>
+                  <a:ext cx="54000" cy="54000"/>
+                </a:xfrm>
+                <a:prstGeom prst="ellipse">
+                  <a:avLst/>
+                </a:prstGeom>
+                <a:solidFill>
+                  <a:schemeClr val="tx1"/>
+                </a:solidFill>
+                <a:ln>
+                  <a:noFill/>
+                </a:ln>
+              </p:spPr>
+              <p:style>
+                <a:lnRef idx="2">
+                  <a:schemeClr val="accent1">
+                    <a:shade val="50000"/>
+                  </a:schemeClr>
+                </a:lnRef>
+                <a:fillRef idx="1">
+                  <a:schemeClr val="accent1"/>
+                </a:fillRef>
+                <a:effectRef idx="0">
+                  <a:schemeClr val="accent1"/>
+                </a:effectRef>
+                <a:fontRef idx="minor">
+                  <a:schemeClr val="lt1"/>
+                </a:fontRef>
+              </p:style>
+              <p:txBody>
+                <a:bodyPr rtlCol="0" anchor="ctr"/>
+                <a:lstStyle/>
+                <a:p>
+                  <a:pPr algn="ctr"/>
+                  <a:endParaRPr lang="de-DE"/>
+                </a:p>
+              </p:txBody>
+            </p:sp>
+            <p:sp>
+              <p:nvSpPr>
+                <p:cNvPr id="9" name="Ellipse 8"/>
+                <p:cNvSpPr/>
+                <p:nvPr/>
+              </p:nvSpPr>
+              <p:spPr>
+                <a:xfrm>
+                  <a:off x="1123141" y="1132986"/>
+                  <a:ext cx="54000" cy="54000"/>
+                </a:xfrm>
+                <a:prstGeom prst="ellipse">
+                  <a:avLst/>
+                </a:prstGeom>
+                <a:solidFill>
+                  <a:schemeClr val="tx1"/>
+                </a:solidFill>
+                <a:ln>
+                  <a:noFill/>
+                </a:ln>
+              </p:spPr>
+              <p:style>
+                <a:lnRef idx="2">
+                  <a:schemeClr val="accent1">
+                    <a:shade val="50000"/>
+                  </a:schemeClr>
+                </a:lnRef>
+                <a:fillRef idx="1">
+                  <a:schemeClr val="accent1"/>
+                </a:fillRef>
+                <a:effectRef idx="0">
+                  <a:schemeClr val="accent1"/>
+                </a:effectRef>
+                <a:fontRef idx="minor">
+                  <a:schemeClr val="lt1"/>
+                </a:fontRef>
+              </p:style>
+              <p:txBody>
+                <a:bodyPr rtlCol="0" anchor="ctr"/>
+                <a:lstStyle/>
+                <a:p>
+                  <a:pPr algn="ctr"/>
+                  <a:endParaRPr lang="de-DE"/>
+                </a:p>
+              </p:txBody>
+            </p:sp>
+            <p:sp>
+              <p:nvSpPr>
+                <p:cNvPr id="10" name="Ellipse 9"/>
+                <p:cNvSpPr/>
+                <p:nvPr/>
+              </p:nvSpPr>
+              <p:spPr>
+                <a:xfrm>
+                  <a:off x="1215809" y="1259330"/>
+                  <a:ext cx="54000" cy="54000"/>
+                </a:xfrm>
+                <a:prstGeom prst="ellipse">
+                  <a:avLst/>
+                </a:prstGeom>
+                <a:solidFill>
+                  <a:schemeClr val="tx1"/>
+                </a:solidFill>
+                <a:ln>
+                  <a:noFill/>
+                </a:ln>
+              </p:spPr>
+              <p:style>
+                <a:lnRef idx="2">
+                  <a:schemeClr val="accent1">
+                    <a:shade val="50000"/>
+                  </a:schemeClr>
+                </a:lnRef>
+                <a:fillRef idx="1">
+                  <a:schemeClr val="accent1"/>
+                </a:fillRef>
+                <a:effectRef idx="0">
+                  <a:schemeClr val="accent1"/>
+                </a:effectRef>
+                <a:fontRef idx="minor">
+                  <a:schemeClr val="lt1"/>
+                </a:fontRef>
+              </p:style>
+              <p:txBody>
+                <a:bodyPr rtlCol="0" anchor="ctr"/>
+                <a:lstStyle/>
+                <a:p>
+                  <a:pPr algn="ctr"/>
+                  <a:endParaRPr lang="de-DE"/>
+                </a:p>
+              </p:txBody>
+            </p:sp>
+            <p:sp>
+              <p:nvSpPr>
+                <p:cNvPr id="11" name="Ellipse 10"/>
+                <p:cNvSpPr/>
+                <p:nvPr/>
+              </p:nvSpPr>
+              <p:spPr>
+                <a:xfrm>
+                  <a:off x="1057473" y="1106597"/>
+                  <a:ext cx="54000" cy="54000"/>
+                </a:xfrm>
+                <a:prstGeom prst="ellipse">
+                  <a:avLst/>
+                </a:prstGeom>
+                <a:solidFill>
+                  <a:schemeClr val="tx1"/>
+                </a:solidFill>
+                <a:ln>
+                  <a:noFill/>
+                </a:ln>
+              </p:spPr>
+              <p:style>
+                <a:lnRef idx="2">
+                  <a:schemeClr val="accent1">
+                    <a:shade val="50000"/>
+                  </a:schemeClr>
+                </a:lnRef>
+                <a:fillRef idx="1">
+                  <a:schemeClr val="accent1"/>
+                </a:fillRef>
+                <a:effectRef idx="0">
+                  <a:schemeClr val="accent1"/>
+                </a:effectRef>
+                <a:fontRef idx="minor">
+                  <a:schemeClr val="lt1"/>
+                </a:fontRef>
+              </p:style>
+              <p:txBody>
+                <a:bodyPr rtlCol="0" anchor="ctr"/>
+                <a:lstStyle/>
+                <a:p>
+                  <a:pPr algn="ctr"/>
+                  <a:endParaRPr lang="de-DE"/>
+                </a:p>
+              </p:txBody>
+            </p:sp>
+            <p:sp>
+              <p:nvSpPr>
+                <p:cNvPr id="12" name="Ellipse 11"/>
+                <p:cNvSpPr/>
+                <p:nvPr/>
+              </p:nvSpPr>
+              <p:spPr>
+                <a:xfrm>
+                  <a:off x="1265136" y="1159986"/>
+                  <a:ext cx="54000" cy="54000"/>
+                </a:xfrm>
+                <a:prstGeom prst="ellipse">
+                  <a:avLst/>
+                </a:prstGeom>
+                <a:solidFill>
+                  <a:schemeClr val="tx1"/>
+                </a:solidFill>
+                <a:ln>
+                  <a:noFill/>
+                </a:ln>
+              </p:spPr>
+              <p:style>
+                <a:lnRef idx="2">
+                  <a:schemeClr val="accent1">
+                    <a:shade val="50000"/>
+                  </a:schemeClr>
+                </a:lnRef>
+                <a:fillRef idx="1">
+                  <a:schemeClr val="accent1"/>
+                </a:fillRef>
+                <a:effectRef idx="0">
+                  <a:schemeClr val="accent1"/>
+                </a:effectRef>
+                <a:fontRef idx="minor">
+                  <a:schemeClr val="lt1"/>
+                </a:fontRef>
+              </p:style>
+              <p:txBody>
+                <a:bodyPr rtlCol="0" anchor="ctr"/>
+                <a:lstStyle/>
+                <a:p>
+                  <a:pPr algn="ctr"/>
+                  <a:endParaRPr lang="de-DE"/>
+                </a:p>
+              </p:txBody>
+            </p:sp>
+            <p:sp>
+              <p:nvSpPr>
+                <p:cNvPr id="13" name="Ellipse 12"/>
+                <p:cNvSpPr/>
+                <p:nvPr/>
+              </p:nvSpPr>
+              <p:spPr>
+                <a:xfrm>
+                  <a:off x="1197843" y="1186986"/>
+                  <a:ext cx="54000" cy="54000"/>
+                </a:xfrm>
+                <a:prstGeom prst="ellipse">
+                  <a:avLst/>
+                </a:prstGeom>
+                <a:solidFill>
+                  <a:schemeClr val="tx1"/>
+                </a:solidFill>
+                <a:ln>
+                  <a:noFill/>
+                </a:ln>
+              </p:spPr>
+              <p:style>
+                <a:lnRef idx="2">
+                  <a:schemeClr val="accent1">
+                    <a:shade val="50000"/>
+                  </a:schemeClr>
+                </a:lnRef>
+                <a:fillRef idx="1">
+                  <a:schemeClr val="accent1"/>
+                </a:fillRef>
+                <a:effectRef idx="0">
+                  <a:schemeClr val="accent1"/>
+                </a:effectRef>
+                <a:fontRef idx="minor">
+                  <a:schemeClr val="lt1"/>
+                </a:fontRef>
+              </p:style>
+              <p:txBody>
+                <a:bodyPr rtlCol="0" anchor="ctr"/>
+                <a:lstStyle/>
+                <a:p>
+                  <a:pPr algn="ctr"/>
+                  <a:endParaRPr lang="de-DE"/>
+                </a:p>
+              </p:txBody>
+            </p:sp>
+            <p:sp>
+              <p:nvSpPr>
+                <p:cNvPr id="14" name="Ellipse 13"/>
+                <p:cNvSpPr/>
+                <p:nvPr/>
+              </p:nvSpPr>
+              <p:spPr>
+                <a:xfrm>
+                  <a:off x="1135878" y="1278229"/>
+                  <a:ext cx="54000" cy="54000"/>
+                </a:xfrm>
+                <a:prstGeom prst="ellipse">
+                  <a:avLst/>
+                </a:prstGeom>
+                <a:solidFill>
+                  <a:schemeClr val="tx1"/>
+                </a:solidFill>
+                <a:ln>
+                  <a:noFill/>
+                </a:ln>
+              </p:spPr>
+              <p:style>
+                <a:lnRef idx="2">
+                  <a:schemeClr val="accent1">
+                    <a:shade val="50000"/>
+                  </a:schemeClr>
+                </a:lnRef>
+                <a:fillRef idx="1">
+                  <a:schemeClr val="accent1"/>
+                </a:fillRef>
+                <a:effectRef idx="0">
+                  <a:schemeClr val="accent1"/>
+                </a:effectRef>
+                <a:fontRef idx="minor">
+                  <a:schemeClr val="lt1"/>
+                </a:fontRef>
+              </p:style>
+              <p:txBody>
+                <a:bodyPr rtlCol="0" anchor="ctr"/>
+                <a:lstStyle/>
+                <a:p>
+                  <a:pPr algn="ctr"/>
+                  <a:endParaRPr lang="de-DE"/>
+                </a:p>
+              </p:txBody>
+            </p:sp>
+            <p:sp>
+              <p:nvSpPr>
+                <p:cNvPr id="15" name="Ellipse 14"/>
+                <p:cNvSpPr/>
+                <p:nvPr/>
+              </p:nvSpPr>
+              <p:spPr>
+                <a:xfrm>
+                  <a:off x="1051262" y="1186986"/>
+                  <a:ext cx="54000" cy="54000"/>
+                </a:xfrm>
+                <a:prstGeom prst="ellipse">
+                  <a:avLst/>
+                </a:prstGeom>
+                <a:solidFill>
+                  <a:schemeClr val="tx1"/>
+                </a:solidFill>
+                <a:ln>
+                  <a:noFill/>
+                </a:ln>
+              </p:spPr>
+              <p:style>
+                <a:lnRef idx="2">
+                  <a:schemeClr val="accent1">
+                    <a:shade val="50000"/>
+                  </a:schemeClr>
+                </a:lnRef>
+                <a:fillRef idx="1">
+                  <a:schemeClr val="accent1"/>
+                </a:fillRef>
+                <a:effectRef idx="0">
+                  <a:schemeClr val="accent1"/>
+                </a:effectRef>
+                <a:fontRef idx="minor">
+                  <a:schemeClr val="lt1"/>
+                </a:fontRef>
+              </p:style>
+              <p:txBody>
+                <a:bodyPr rtlCol="0" anchor="ctr"/>
+                <a:lstStyle/>
+                <a:p>
+                  <a:pPr algn="ctr"/>
+                  <a:endParaRPr lang="de-DE"/>
+                </a:p>
+              </p:txBody>
+            </p:sp>
+            <p:sp>
+              <p:nvSpPr>
+                <p:cNvPr id="16" name="Ellipse 15"/>
+                <p:cNvSpPr/>
+                <p:nvPr/>
+              </p:nvSpPr>
+              <p:spPr>
+                <a:xfrm rot="5400000">
+                  <a:off x="860943" y="1546568"/>
+                  <a:ext cx="54000" cy="54000"/>
+                </a:xfrm>
+                <a:prstGeom prst="ellipse">
+                  <a:avLst/>
+                </a:prstGeom>
+                <a:solidFill>
+                  <a:schemeClr val="tx1"/>
+                </a:solidFill>
+                <a:ln>
+                  <a:noFill/>
+                </a:ln>
+              </p:spPr>
+              <p:style>
+                <a:lnRef idx="2">
+                  <a:schemeClr val="accent1">
+                    <a:shade val="50000"/>
+                  </a:schemeClr>
+                </a:lnRef>
+                <a:fillRef idx="1">
+                  <a:schemeClr val="accent1"/>
+                </a:fillRef>
+                <a:effectRef idx="0">
+                  <a:schemeClr val="accent1"/>
+                </a:effectRef>
+                <a:fontRef idx="minor">
+                  <a:schemeClr val="lt1"/>
+                </a:fontRef>
+              </p:style>
+              <p:txBody>
+                <a:bodyPr rtlCol="0" anchor="ctr"/>
+                <a:lstStyle/>
+                <a:p>
+                  <a:pPr algn="ctr"/>
+                  <a:endParaRPr lang="de-DE"/>
+                </a:p>
+              </p:txBody>
+            </p:sp>
+            <p:sp>
+              <p:nvSpPr>
+                <p:cNvPr id="17" name="Ellipse 16"/>
+                <p:cNvSpPr/>
+                <p:nvPr/>
+              </p:nvSpPr>
+              <p:spPr>
+                <a:xfrm rot="5400000">
+                  <a:off x="761599" y="1492064"/>
+                  <a:ext cx="54000" cy="54000"/>
+                </a:xfrm>
+                <a:prstGeom prst="ellipse">
+                  <a:avLst/>
+                </a:prstGeom>
+                <a:solidFill>
+                  <a:schemeClr val="tx1"/>
+                </a:solidFill>
+                <a:ln>
+                  <a:noFill/>
+                </a:ln>
+              </p:spPr>
+              <p:style>
+                <a:lnRef idx="2">
+                  <a:schemeClr val="accent1">
+                    <a:shade val="50000"/>
+                  </a:schemeClr>
+                </a:lnRef>
+                <a:fillRef idx="1">
+                  <a:schemeClr val="accent1"/>
+                </a:fillRef>
+                <a:effectRef idx="0">
+                  <a:schemeClr val="accent1"/>
+                </a:effectRef>
+                <a:fontRef idx="minor">
+                  <a:schemeClr val="lt1"/>
+                </a:fontRef>
+              </p:style>
+              <p:txBody>
+                <a:bodyPr rtlCol="0" anchor="ctr"/>
+                <a:lstStyle/>
+                <a:p>
+                  <a:pPr algn="ctr"/>
+                  <a:endParaRPr lang="de-DE"/>
+                </a:p>
+              </p:txBody>
+            </p:sp>
+            <p:sp>
+              <p:nvSpPr>
+                <p:cNvPr id="18" name="Ellipse 17"/>
+                <p:cNvSpPr/>
+                <p:nvPr/>
+              </p:nvSpPr>
+              <p:spPr>
+                <a:xfrm rot="5400000">
+                  <a:off x="833943" y="1480900"/>
+                  <a:ext cx="54000" cy="54000"/>
+                </a:xfrm>
+                <a:prstGeom prst="ellipse">
+                  <a:avLst/>
+                </a:prstGeom>
+                <a:solidFill>
+                  <a:schemeClr val="tx1"/>
+                </a:solidFill>
+                <a:ln>
+                  <a:noFill/>
+                </a:ln>
+              </p:spPr>
+              <p:style>
+                <a:lnRef idx="2">
+                  <a:schemeClr val="accent1">
+                    <a:shade val="50000"/>
+                  </a:schemeClr>
+                </a:lnRef>
+                <a:fillRef idx="1">
+                  <a:schemeClr val="accent1"/>
+                </a:fillRef>
+                <a:effectRef idx="0">
+                  <a:schemeClr val="accent1"/>
+                </a:effectRef>
+                <a:fontRef idx="minor">
+                  <a:schemeClr val="lt1"/>
+                </a:fontRef>
+              </p:style>
+              <p:txBody>
+                <a:bodyPr rtlCol="0" anchor="ctr"/>
+                <a:lstStyle/>
+                <a:p>
+                  <a:pPr algn="ctr"/>
+                  <a:endParaRPr lang="de-DE"/>
+                </a:p>
+              </p:txBody>
+            </p:sp>
+            <p:sp>
+              <p:nvSpPr>
+                <p:cNvPr id="19" name="Ellipse 18"/>
+                <p:cNvSpPr/>
+                <p:nvPr/>
+              </p:nvSpPr>
+              <p:spPr>
+                <a:xfrm rot="5400000">
+                  <a:off x="707599" y="1573568"/>
+                  <a:ext cx="54000" cy="54000"/>
+                </a:xfrm>
+                <a:prstGeom prst="ellipse">
+                  <a:avLst/>
+                </a:prstGeom>
+                <a:solidFill>
+                  <a:schemeClr val="tx1"/>
+                </a:solidFill>
+                <a:ln>
+                  <a:noFill/>
+                </a:ln>
+              </p:spPr>
+              <p:style>
+                <a:lnRef idx="2">
+                  <a:schemeClr val="accent1">
+                    <a:shade val="50000"/>
+                  </a:schemeClr>
+                </a:lnRef>
+                <a:fillRef idx="1">
+                  <a:schemeClr val="accent1"/>
+                </a:fillRef>
+                <a:effectRef idx="0">
+                  <a:schemeClr val="accent1"/>
+                </a:effectRef>
+                <a:fontRef idx="minor">
+                  <a:schemeClr val="lt1"/>
+                </a:fontRef>
+              </p:style>
+              <p:txBody>
+                <a:bodyPr rtlCol="0" anchor="ctr"/>
+                <a:lstStyle/>
+                <a:p>
+                  <a:pPr algn="ctr"/>
+                  <a:endParaRPr lang="de-DE"/>
+                </a:p>
+              </p:txBody>
+            </p:sp>
+            <p:sp>
+              <p:nvSpPr>
+                <p:cNvPr id="20" name="Ellipse 19"/>
+                <p:cNvSpPr/>
+                <p:nvPr/>
+              </p:nvSpPr>
+              <p:spPr>
+                <a:xfrm rot="5400000">
+                  <a:off x="860332" y="1415232"/>
+                  <a:ext cx="54000" cy="54000"/>
+                </a:xfrm>
+                <a:prstGeom prst="ellipse">
+                  <a:avLst/>
+                </a:prstGeom>
+                <a:solidFill>
+                  <a:schemeClr val="tx1"/>
+                </a:solidFill>
+                <a:ln>
+                  <a:noFill/>
+                </a:ln>
+              </p:spPr>
+              <p:style>
+                <a:lnRef idx="2">
+                  <a:schemeClr val="accent1">
+                    <a:shade val="50000"/>
+                  </a:schemeClr>
+                </a:lnRef>
+                <a:fillRef idx="1">
+                  <a:schemeClr val="accent1"/>
+                </a:fillRef>
+                <a:effectRef idx="0">
+                  <a:schemeClr val="accent1"/>
+                </a:effectRef>
+                <a:fontRef idx="minor">
+                  <a:schemeClr val="lt1"/>
+                </a:fontRef>
+              </p:style>
+              <p:txBody>
+                <a:bodyPr rtlCol="0" anchor="ctr"/>
+                <a:lstStyle/>
+                <a:p>
+                  <a:pPr algn="ctr"/>
+                  <a:endParaRPr lang="de-DE"/>
+                </a:p>
+              </p:txBody>
+            </p:sp>
+            <p:sp>
+              <p:nvSpPr>
+                <p:cNvPr id="21" name="Ellipse 20"/>
+                <p:cNvSpPr/>
+                <p:nvPr/>
+              </p:nvSpPr>
+              <p:spPr>
+                <a:xfrm rot="5400000">
+                  <a:off x="806943" y="1622895"/>
+                  <a:ext cx="54000" cy="54000"/>
+                </a:xfrm>
+                <a:prstGeom prst="ellipse">
+                  <a:avLst/>
+                </a:prstGeom>
+                <a:solidFill>
+                  <a:schemeClr val="tx1"/>
+                </a:solidFill>
+                <a:ln>
+                  <a:noFill/>
+                </a:ln>
+              </p:spPr>
+              <p:style>
+                <a:lnRef idx="2">
+                  <a:schemeClr val="accent1">
+                    <a:shade val="50000"/>
+                  </a:schemeClr>
+                </a:lnRef>
+                <a:fillRef idx="1">
+                  <a:schemeClr val="accent1"/>
+                </a:fillRef>
+                <a:effectRef idx="0">
+                  <a:schemeClr val="accent1"/>
+                </a:effectRef>
+                <a:fontRef idx="minor">
+                  <a:schemeClr val="lt1"/>
+                </a:fontRef>
+              </p:style>
+              <p:txBody>
+                <a:bodyPr rtlCol="0" anchor="ctr"/>
+                <a:lstStyle/>
+                <a:p>
+                  <a:pPr algn="ctr"/>
+                  <a:endParaRPr lang="de-DE"/>
+                </a:p>
+              </p:txBody>
+            </p:sp>
+            <p:sp>
+              <p:nvSpPr>
+                <p:cNvPr id="22" name="Ellipse 21"/>
+                <p:cNvSpPr/>
+                <p:nvPr/>
+              </p:nvSpPr>
+              <p:spPr>
+                <a:xfrm rot="5400000">
+                  <a:off x="779943" y="1555602"/>
+                  <a:ext cx="54000" cy="54000"/>
+                </a:xfrm>
+                <a:prstGeom prst="ellipse">
+                  <a:avLst/>
+                </a:prstGeom>
+                <a:solidFill>
+                  <a:schemeClr val="tx1"/>
+                </a:solidFill>
+                <a:ln>
+                  <a:noFill/>
+                </a:ln>
+              </p:spPr>
+              <p:style>
+                <a:lnRef idx="2">
+                  <a:schemeClr val="accent1">
+                    <a:shade val="50000"/>
+                  </a:schemeClr>
+                </a:lnRef>
+                <a:fillRef idx="1">
+                  <a:schemeClr val="accent1"/>
+                </a:fillRef>
+                <a:effectRef idx="0">
+                  <a:schemeClr val="accent1"/>
+                </a:effectRef>
+                <a:fontRef idx="minor">
+                  <a:schemeClr val="lt1"/>
+                </a:fontRef>
+              </p:style>
+              <p:txBody>
+                <a:bodyPr rtlCol="0" anchor="ctr"/>
+                <a:lstStyle/>
+                <a:p>
+                  <a:pPr algn="ctr"/>
+                  <a:endParaRPr lang="de-DE"/>
+                </a:p>
+              </p:txBody>
+            </p:sp>
+            <p:sp>
+              <p:nvSpPr>
+                <p:cNvPr id="23" name="Ellipse 22"/>
+                <p:cNvSpPr/>
+                <p:nvPr/>
+              </p:nvSpPr>
+              <p:spPr>
+                <a:xfrm rot="5400000">
+                  <a:off x="688700" y="1493637"/>
+                  <a:ext cx="54000" cy="54000"/>
+                </a:xfrm>
+                <a:prstGeom prst="ellipse">
+                  <a:avLst/>
+                </a:prstGeom>
+                <a:solidFill>
+                  <a:schemeClr val="tx1"/>
+                </a:solidFill>
+                <a:ln>
+                  <a:noFill/>
+                </a:ln>
+              </p:spPr>
+              <p:style>
+                <a:lnRef idx="2">
+                  <a:schemeClr val="accent1">
+                    <a:shade val="50000"/>
+                  </a:schemeClr>
+                </a:lnRef>
+                <a:fillRef idx="1">
+                  <a:schemeClr val="accent1"/>
+                </a:fillRef>
+                <a:effectRef idx="0">
+                  <a:schemeClr val="accent1"/>
+                </a:effectRef>
+                <a:fontRef idx="minor">
+                  <a:schemeClr val="lt1"/>
+                </a:fontRef>
+              </p:style>
+              <p:txBody>
+                <a:bodyPr rtlCol="0" anchor="ctr"/>
+                <a:lstStyle/>
+                <a:p>
+                  <a:pPr algn="ctr"/>
+                  <a:endParaRPr lang="de-DE"/>
+                </a:p>
+              </p:txBody>
+            </p:sp>
+            <p:sp>
+              <p:nvSpPr>
+                <p:cNvPr id="24" name="Ellipse 23"/>
+                <p:cNvSpPr/>
+                <p:nvPr/>
+              </p:nvSpPr>
+              <p:spPr>
+                <a:xfrm rot="5400000">
+                  <a:off x="779943" y="1409021"/>
+                  <a:ext cx="54000" cy="54000"/>
+                </a:xfrm>
+                <a:prstGeom prst="ellipse">
+                  <a:avLst/>
+                </a:prstGeom>
+                <a:solidFill>
+                  <a:schemeClr val="tx1"/>
+                </a:solidFill>
+                <a:ln>
+                  <a:noFill/>
+                </a:ln>
+              </p:spPr>
+              <p:style>
+                <a:lnRef idx="2">
+                  <a:schemeClr val="accent1">
+                    <a:shade val="50000"/>
+                  </a:schemeClr>
+                </a:lnRef>
+                <a:fillRef idx="1">
+                  <a:schemeClr val="accent1"/>
+                </a:fillRef>
+                <a:effectRef idx="0">
+                  <a:schemeClr val="accent1"/>
+                </a:effectRef>
+                <a:fontRef idx="minor">
+                  <a:schemeClr val="lt1"/>
+                </a:fontRef>
+              </p:style>
+              <p:txBody>
+                <a:bodyPr rtlCol="0" anchor="ctr"/>
+                <a:lstStyle/>
+                <a:p>
+                  <a:pPr algn="ctr"/>
+                  <a:endParaRPr lang="de-DE"/>
+                </a:p>
+              </p:txBody>
+            </p:sp>
+            <p:cxnSp>
+              <p:nvCxnSpPr>
+                <p:cNvPr id="25" name="Gerader Verbinder 24"/>
+                <p:cNvCxnSpPr/>
+                <p:nvPr/>
+              </p:nvCxnSpPr>
+              <p:spPr>
+                <a:xfrm>
+                  <a:off x="726647" y="1110929"/>
+                  <a:ext cx="540000" cy="540000"/>
+                </a:xfrm>
+                <a:prstGeom prst="line">
+                  <a:avLst/>
+                </a:prstGeom>
+                <a:ln w="38100">
+                  <a:solidFill>
+                    <a:schemeClr val="tx1"/>
+                  </a:solidFill>
+                </a:ln>
+              </p:spPr>
+              <p:style>
+                <a:lnRef idx="1">
+                  <a:schemeClr val="accent1"/>
+                </a:lnRef>
+                <a:fillRef idx="0">
+                  <a:schemeClr val="accent1"/>
+                </a:fillRef>
+                <a:effectRef idx="0">
+                  <a:schemeClr val="accent1"/>
+                </a:effectRef>
+                <a:fontRef idx="minor">
+                  <a:schemeClr val="tx1"/>
+                </a:fontRef>
+              </p:style>
+            </p:cxnSp>
+          </p:grpSp>
+        </p:grpSp>
+        <p:sp>
+          <p:nvSpPr>
+            <p:cNvPr id="76" name="Rechteck 75"/>
+            <p:cNvSpPr/>
+            <p:nvPr/>
+          </p:nvSpPr>
+          <p:spPr>
+            <a:xfrm>
+              <a:off x="1698787" y="-92975"/>
+              <a:ext cx="1692000" cy="1692000"/>
+            </a:xfrm>
+            <a:prstGeom prst="rect">
+              <a:avLst/>
+            </a:prstGeom>
+            <a:noFill/>
+            <a:ln>
+              <a:noFill/>
+            </a:ln>
+          </p:spPr>
+          <p:style>
+            <a:lnRef idx="2">
+              <a:schemeClr val="accent1">
+                <a:shade val="50000"/>
+              </a:schemeClr>
+            </a:lnRef>
+            <a:fillRef idx="1">
+              <a:schemeClr val="accent1"/>
+            </a:fillRef>
+            <a:effectRef idx="0">
+              <a:schemeClr val="accent1"/>
+            </a:effectRef>
+            <a:fontRef idx="minor">
+              <a:schemeClr val="lt1"/>
+            </a:fontRef>
+          </p:style>
+          <p:txBody>
+            <a:bodyPr rtlCol="0" anchor="ctr"/>
+            <a:lstStyle/>
+            <a:p>
+              <a:pPr algn="ctr"/>
+              <a:endParaRPr lang="de-DE"/>
+            </a:p>
+          </p:txBody>
+        </p:sp>
+      </p:grpSp>
+      <p:grpSp>
+        <p:nvGrpSpPr>
+          <p:cNvPr id="150" name="Gruppieren 149"/>
+          <p:cNvGrpSpPr/>
+          <p:nvPr/>
+        </p:nvGrpSpPr>
+        <p:grpSpPr>
+          <a:xfrm>
+            <a:off x="7728667" y="-93600"/>
+            <a:ext cx="1692000" cy="1692000"/>
+            <a:chOff x="7728667" y="-93600"/>
+            <a:chExt cx="1692000" cy="1692000"/>
+          </a:xfrm>
+        </p:grpSpPr>
+        <p:grpSp>
+          <p:nvGrpSpPr>
+            <p:cNvPr id="60" name="Gruppieren 59"/>
+            <p:cNvGrpSpPr/>
+            <p:nvPr/>
+          </p:nvGrpSpPr>
+          <p:grpSpPr>
+            <a:xfrm>
+              <a:off x="7980667" y="-3600"/>
+              <a:ext cx="495001" cy="495000"/>
+              <a:chOff x="5374750" y="2860674"/>
+              <a:chExt cx="720000" cy="720000"/>
+            </a:xfrm>
+          </p:grpSpPr>
+          <p:sp>
+            <p:nvSpPr>
+              <p:cNvPr id="63" name="Abgerundetes Rechteck 62"/>
+              <p:cNvSpPr/>
+              <p:nvPr/>
+            </p:nvSpPr>
+            <p:spPr>
+              <a:xfrm>
+                <a:off x="5374750" y="2860674"/>
+                <a:ext cx="720000" cy="720000"/>
+              </a:xfrm>
+              <a:prstGeom prst="roundRect">
+                <a:avLst/>
+              </a:prstGeom>
+              <a:noFill/>
+              <a:ln w="19050">
+                <a:solidFill>
+                  <a:schemeClr val="tx1"/>
+                </a:solidFill>
+              </a:ln>
+            </p:spPr>
+            <p:style>
+              <a:lnRef idx="2">
+                <a:schemeClr val="accent1">
+                  <a:shade val="50000"/>
+                </a:schemeClr>
+              </a:lnRef>
+              <a:fillRef idx="1">
+                <a:schemeClr val="accent1"/>
+              </a:fillRef>
+              <a:effectRef idx="0">
+                <a:schemeClr val="accent1"/>
+              </a:effectRef>
+              <a:fontRef idx="minor">
+                <a:schemeClr val="lt1"/>
+              </a:fontRef>
+            </p:style>
+            <p:txBody>
+              <a:bodyPr rtlCol="0" anchor="ctr"/>
+              <a:lstStyle/>
+              <a:p>
+                <a:pPr algn="ctr"/>
+                <a:endParaRPr lang="de-DE"/>
+              </a:p>
+            </p:txBody>
+          </p:sp>
+          <p:grpSp>
+            <p:nvGrpSpPr>
+              <p:cNvPr id="64" name="Gruppieren 63"/>
+              <p:cNvGrpSpPr/>
+              <p:nvPr/>
+            </p:nvGrpSpPr>
+            <p:grpSpPr>
+              <a:xfrm>
+                <a:off x="5457290" y="2963449"/>
+                <a:ext cx="554920" cy="514450"/>
+                <a:chOff x="5459310" y="2963449"/>
+                <a:chExt cx="554920" cy="514450"/>
+              </a:xfrm>
+            </p:grpSpPr>
+            <p:grpSp>
+              <p:nvGrpSpPr>
+                <p:cNvPr id="65" name="Gruppieren 64"/>
+                <p:cNvGrpSpPr/>
+                <p:nvPr/>
+              </p:nvGrpSpPr>
+              <p:grpSpPr>
+                <a:xfrm>
+                  <a:off x="5459310" y="3030224"/>
+                  <a:ext cx="545885" cy="447675"/>
+                  <a:chOff x="5456812" y="3030224"/>
+                  <a:chExt cx="545885" cy="447675"/>
+                </a:xfrm>
+              </p:grpSpPr>
+              <p:sp>
+                <p:nvSpPr>
+                  <p:cNvPr id="67" name="Gleichschenkliges Dreieck 66"/>
+                  <p:cNvSpPr/>
+                  <p:nvPr/>
+                </p:nvSpPr>
+                <p:spPr>
+                  <a:xfrm>
+                    <a:off x="5456812" y="3030224"/>
+                    <a:ext cx="354956" cy="447675"/>
+                  </a:xfrm>
+                  <a:prstGeom prst="triangle">
+                    <a:avLst/>
+                  </a:prstGeom>
+                  <a:solidFill>
+                    <a:schemeClr val="tx1"/>
+                  </a:solidFill>
+                  <a:ln cap="rnd">
+                    <a:noFill/>
+                    <a:round/>
+                  </a:ln>
+                </p:spPr>
+                <p:style>
+                  <a:lnRef idx="2">
+                    <a:schemeClr val="accent1">
+                      <a:shade val="50000"/>
+                    </a:schemeClr>
+                  </a:lnRef>
+                  <a:fillRef idx="1">
+                    <a:schemeClr val="accent1"/>
+                  </a:fillRef>
+                  <a:effectRef idx="0">
+                    <a:schemeClr val="accent1"/>
+                  </a:effectRef>
+                  <a:fontRef idx="minor">
+                    <a:schemeClr val="lt1"/>
+                  </a:fontRef>
+                </p:style>
+                <p:txBody>
+                  <a:bodyPr rtlCol="0" anchor="ctr"/>
+                  <a:lstStyle/>
+                  <a:p>
+                    <a:pPr algn="ctr"/>
+                    <a:endParaRPr lang="de-DE"/>
+                  </a:p>
+                </p:txBody>
+              </p:sp>
+              <p:sp>
+                <p:nvSpPr>
+                  <p:cNvPr id="68" name="Gleichschenkliges Dreieck 67"/>
+                  <p:cNvSpPr/>
+                  <p:nvPr/>
+                </p:nvSpPr>
+                <p:spPr>
+                  <a:xfrm>
+                    <a:off x="5593126" y="3179449"/>
+                    <a:ext cx="409571" cy="298450"/>
+                  </a:xfrm>
+                  <a:prstGeom prst="triangle">
+                    <a:avLst/>
+                  </a:prstGeom>
+                  <a:solidFill>
+                    <a:schemeClr val="tx1"/>
+                  </a:solidFill>
+                  <a:ln cap="rnd">
+                    <a:noFill/>
+                    <a:round/>
+                  </a:ln>
+                </p:spPr>
+                <p:style>
+                  <a:lnRef idx="2">
+                    <a:schemeClr val="accent1">
+                      <a:shade val="50000"/>
+                    </a:schemeClr>
+                  </a:lnRef>
+                  <a:fillRef idx="1">
+                    <a:schemeClr val="accent1"/>
+                  </a:fillRef>
+                  <a:effectRef idx="0">
+                    <a:schemeClr val="accent1"/>
+                  </a:effectRef>
+                  <a:fontRef idx="minor">
+                    <a:schemeClr val="lt1"/>
+                  </a:fontRef>
+                </p:style>
+                <p:txBody>
+                  <a:bodyPr rtlCol="0" anchor="ctr"/>
+                  <a:lstStyle/>
+                  <a:p>
+                    <a:pPr algn="ctr"/>
+                    <a:endParaRPr lang="de-DE"/>
+                  </a:p>
+                </p:txBody>
+              </p:sp>
+            </p:grpSp>
+            <p:sp>
+              <p:nvSpPr>
+                <p:cNvPr id="66" name="Sonne 65"/>
+                <p:cNvSpPr/>
+                <p:nvPr/>
+              </p:nvSpPr>
+              <p:spPr>
+                <a:xfrm>
+                  <a:off x="5798230" y="2963449"/>
+                  <a:ext cx="216000" cy="216000"/>
+                </a:xfrm>
+                <a:prstGeom prst="sun">
+                  <a:avLst/>
+                </a:prstGeom>
+                <a:solidFill>
+                  <a:schemeClr val="tx1"/>
+                </a:solidFill>
+                <a:ln>
+                  <a:noFill/>
+                </a:ln>
+              </p:spPr>
+              <p:style>
+                <a:lnRef idx="2">
+                  <a:schemeClr val="accent1">
+                    <a:shade val="50000"/>
+                  </a:schemeClr>
+                </a:lnRef>
+                <a:fillRef idx="1">
+                  <a:schemeClr val="accent1"/>
+                </a:fillRef>
+                <a:effectRef idx="0">
+                  <a:schemeClr val="accent1"/>
+                </a:effectRef>
+                <a:fontRef idx="minor">
+                  <a:schemeClr val="lt1"/>
+                </a:fontRef>
+              </p:style>
+              <p:txBody>
+                <a:bodyPr rtlCol="0" anchor="ctr"/>
+                <a:lstStyle/>
+                <a:p>
+                  <a:pPr algn="ctr"/>
+                  <a:endParaRPr lang="de-DE"/>
+                </a:p>
+              </p:txBody>
+            </p:sp>
+          </p:grpSp>
+        </p:grpSp>
+        <p:sp>
+          <p:nvSpPr>
+            <p:cNvPr id="61" name="Textfeld 60"/>
+            <p:cNvSpPr txBox="1"/>
+            <p:nvPr/>
+          </p:nvSpPr>
+          <p:spPr>
+            <a:xfrm>
+              <a:off x="8736667" y="1004400"/>
+              <a:ext cx="432000" cy="180000"/>
+            </a:xfrm>
+            <a:prstGeom prst="rect">
+              <a:avLst/>
+            </a:prstGeom>
+            <a:noFill/>
+          </p:spPr>
+          <p:txBody>
+            <a:bodyPr wrap="none" lIns="0" tIns="0" rIns="0" bIns="0" rtlCol="0">
+              <a:spAutoFit/>
+            </a:bodyPr>
+            <a:lstStyle/>
+            <a:p>
+              <a:r>
+                <a:rPr lang="de-DE" sz="1200" dirty="0">
+                  <a:latin typeface="Arial Rounded MT Bold" panose="020F0704030504030204" pitchFamily="34" charset="0"/>
+                </a:rPr>
+                <a:t>Value</a:t>
+              </a:r>
+              <a:endParaRPr lang="de-DE" sz="1200" dirty="0">
+                <a:latin typeface="Arial Rounded MT Bold" panose="020F0704030504030204" pitchFamily="34" charset="0"/>
+              </a:endParaRPr>
+            </a:p>
+          </p:txBody>
+        </p:sp>
+        <p:sp>
+          <p:nvSpPr>
+            <p:cNvPr id="62" name="Pfeil nach rechts 61"/>
+            <p:cNvSpPr/>
+            <p:nvPr/>
+          </p:nvSpPr>
+          <p:spPr>
+            <a:xfrm rot="2700000">
+              <a:off x="8512475" y="610678"/>
+              <a:ext cx="396000" cy="237600"/>
+            </a:xfrm>
+            <a:prstGeom prst="rightArrow">
+              <a:avLst/>
+            </a:prstGeom>
+            <a:solidFill>
+              <a:schemeClr val="tx1"/>
+            </a:solidFill>
+            <a:ln>
+              <a:noFill/>
+            </a:ln>
+          </p:spPr>
+          <p:style>
+            <a:lnRef idx="2">
+              <a:schemeClr val="accent1">
+                <a:shade val="50000"/>
+              </a:schemeClr>
+            </a:lnRef>
+            <a:fillRef idx="1">
+              <a:schemeClr val="accent1"/>
+            </a:fillRef>
+            <a:effectRef idx="0">
+              <a:schemeClr val="accent1"/>
+            </a:effectRef>
+            <a:fontRef idx="minor">
+              <a:schemeClr val="lt1"/>
+            </a:fontRef>
+          </p:style>
+          <p:txBody>
+            <a:bodyPr rtlCol="0" anchor="ctr"/>
+            <a:lstStyle/>
+            <a:p>
+              <a:pPr algn="ctr"/>
+              <a:endParaRPr lang="de-DE" dirty="0"/>
+            </a:p>
+          </p:txBody>
+        </p:sp>
+        <p:sp>
+          <p:nvSpPr>
+            <p:cNvPr id="75" name="Textfeld 74">
+              <a:extLst>
+                <a:ext uri="{FF2B5EF4-FFF2-40B4-BE49-F238E27FC236}">
+                  <a16:creationId xmlns:a16="http://schemas.microsoft.com/office/drawing/2014/main" id="{5AFA251F-368D-4F3A-9B62-95E6FC2B494E}"/>
+                </a:ext>
+              </a:extLst>
+            </p:cNvPr>
+            <p:cNvSpPr txBox="1"/>
+            <p:nvPr/>
+          </p:nvSpPr>
+          <p:spPr>
+            <a:xfrm>
+              <a:off x="7818667" y="1256400"/>
+              <a:ext cx="1512000" cy="252000"/>
+            </a:xfrm>
+            <a:prstGeom prst="rect">
+              <a:avLst/>
+            </a:prstGeom>
+            <a:noFill/>
+          </p:spPr>
+          <p:txBody>
+            <a:bodyPr wrap="square" lIns="0" tIns="0" rIns="0" bIns="0" rtlCol="0" anchor="ctr" anchorCtr="0">
+              <a:noAutofit/>
+            </a:bodyPr>
+            <a:lstStyle/>
+            <a:p>
+              <a:pPr algn="ctr"/>
+              <a:r>
+                <a:rPr lang="de-DE" sz="1200" dirty="0" smtClean="0">
+                  <a:latin typeface="Arial Rounded MT Bold" panose="020F0704030504030204" pitchFamily="34" charset="0"/>
+                </a:rPr>
+                <a:t>Image </a:t>
+              </a:r>
+              <a:r>
+                <a:rPr lang="de-DE" sz="1200" dirty="0" err="1" smtClean="0">
+                  <a:latin typeface="Arial Rounded MT Bold" panose="020F0704030504030204" pitchFamily="34" charset="0"/>
+                </a:rPr>
+                <a:t>regression</a:t>
+              </a:r>
+              <a:endParaRPr lang="en-US" sz="1400" dirty="0">
+                <a:latin typeface="Arial Rounded MT Bold" panose="020F0704030504030204" pitchFamily="34" charset="0"/>
+              </a:endParaRPr>
+            </a:p>
+          </p:txBody>
+        </p:sp>
+        <p:sp>
+          <p:nvSpPr>
+            <p:cNvPr id="103" name="Rechteck 102"/>
+            <p:cNvSpPr/>
+            <p:nvPr/>
+          </p:nvSpPr>
+          <p:spPr>
+            <a:xfrm>
+              <a:off x="7728667" y="-93600"/>
+              <a:ext cx="1692000" cy="1692000"/>
+            </a:xfrm>
+            <a:prstGeom prst="rect">
+              <a:avLst/>
+            </a:prstGeom>
+            <a:noFill/>
+            <a:ln>
+              <a:noFill/>
+            </a:ln>
+          </p:spPr>
+          <p:style>
+            <a:lnRef idx="2">
+              <a:schemeClr val="accent1">
+                <a:shade val="50000"/>
+              </a:schemeClr>
+            </a:lnRef>
+            <a:fillRef idx="1">
+              <a:schemeClr val="accent1"/>
+            </a:fillRef>
+            <a:effectRef idx="0">
+              <a:schemeClr val="accent1"/>
+            </a:effectRef>
+            <a:fontRef idx="minor">
+              <a:schemeClr val="lt1"/>
+            </a:fontRef>
+          </p:style>
+          <p:txBody>
+            <a:bodyPr rtlCol="0" anchor="ctr"/>
+            <a:lstStyle/>
+            <a:p>
+              <a:pPr algn="ctr"/>
+              <a:endParaRPr lang="de-DE"/>
+            </a:p>
+          </p:txBody>
+        </p:sp>
+      </p:grpSp>
+      <p:grpSp>
+        <p:nvGrpSpPr>
+          <p:cNvPr id="128" name="Gruppieren 127"/>
+          <p:cNvGrpSpPr/>
+          <p:nvPr/>
+        </p:nvGrpSpPr>
+        <p:grpSpPr>
+          <a:xfrm>
+            <a:off x="3790480" y="-104925"/>
+            <a:ext cx="1692000" cy="1692000"/>
+            <a:chOff x="3790480" y="-104925"/>
+            <a:chExt cx="1692000" cy="1692000"/>
+          </a:xfrm>
+        </p:grpSpPr>
+        <p:grpSp>
+          <p:nvGrpSpPr>
+            <p:cNvPr id="126" name="Gruppieren 125"/>
+            <p:cNvGrpSpPr/>
+            <p:nvPr/>
+          </p:nvGrpSpPr>
+          <p:grpSpPr>
+            <a:xfrm>
+              <a:off x="3880480" y="-14925"/>
+              <a:ext cx="1512000" cy="1512000"/>
+              <a:chOff x="3871463" y="0"/>
+              <a:chExt cx="1512000" cy="1512000"/>
+            </a:xfrm>
+          </p:grpSpPr>
+          <p:grpSp>
+            <p:nvGrpSpPr>
+              <p:cNvPr id="26" name="Gruppieren 25"/>
+              <p:cNvGrpSpPr/>
+              <p:nvPr/>
+            </p:nvGrpSpPr>
+            <p:grpSpPr>
+              <a:xfrm>
+                <a:off x="4033463" y="0"/>
+                <a:ext cx="1188000" cy="1188000"/>
+                <a:chOff x="2379745" y="1006642"/>
+                <a:chExt cx="720000" cy="720000"/>
+              </a:xfrm>
+            </p:grpSpPr>
+            <p:cxnSp>
+              <p:nvCxnSpPr>
+                <p:cNvPr id="27" name="Gewinkelter Verbinder 26"/>
+                <p:cNvCxnSpPr/>
+                <p:nvPr/>
+              </p:nvCxnSpPr>
+              <p:spPr>
+                <a:xfrm>
+                  <a:off x="2379745" y="1006642"/>
+                  <a:ext cx="720000" cy="720000"/>
+                </a:xfrm>
+                <a:prstGeom prst="bentConnector3">
+                  <a:avLst>
+                    <a:gd name="adj1" fmla="val 0"/>
+                  </a:avLst>
+                </a:prstGeom>
+                <a:ln w="57150">
+                  <a:solidFill>
+                    <a:schemeClr val="tx1"/>
+                  </a:solidFill>
+                </a:ln>
+              </p:spPr>
+              <p:style>
+                <a:lnRef idx="1">
+                  <a:schemeClr val="accent1"/>
+                </a:lnRef>
+                <a:fillRef idx="0">
+                  <a:schemeClr val="accent1"/>
+                </a:fillRef>
+                <a:effectRef idx="0">
+                  <a:schemeClr val="accent1"/>
+                </a:effectRef>
+                <a:fontRef idx="minor">
+                  <a:schemeClr val="tx1"/>
+                </a:fontRef>
+              </p:style>
+            </p:cxnSp>
+            <p:sp>
+              <p:nvSpPr>
+                <p:cNvPr id="28" name="Ellipse 27"/>
+                <p:cNvSpPr/>
+                <p:nvPr/>
+              </p:nvSpPr>
+              <p:spPr>
+                <a:xfrm>
+                  <a:off x="2977227" y="1132986"/>
+                  <a:ext cx="54000" cy="54000"/>
+                </a:xfrm>
+                <a:prstGeom prst="ellipse">
+                  <a:avLst/>
+                </a:prstGeom>
+                <a:solidFill>
+                  <a:schemeClr val="tx1"/>
+                </a:solidFill>
+                <a:ln>
+                  <a:noFill/>
+                </a:ln>
+              </p:spPr>
+              <p:style>
+                <a:lnRef idx="2">
+                  <a:schemeClr val="accent1">
+                    <a:shade val="50000"/>
+                  </a:schemeClr>
+                </a:lnRef>
+                <a:fillRef idx="1">
+                  <a:schemeClr val="accent1"/>
+                </a:fillRef>
+                <a:effectRef idx="0">
+                  <a:schemeClr val="accent1"/>
+                </a:effectRef>
+                <a:fontRef idx="minor">
+                  <a:schemeClr val="lt1"/>
+                </a:fontRef>
+              </p:style>
+              <p:txBody>
+                <a:bodyPr rtlCol="0" anchor="ctr"/>
+                <a:lstStyle/>
+                <a:p>
+                  <a:pPr algn="ctr"/>
+                  <a:endParaRPr lang="de-DE"/>
+                </a:p>
+              </p:txBody>
+            </p:sp>
+            <p:sp>
+              <p:nvSpPr>
+                <p:cNvPr id="29" name="Ellipse 28"/>
+                <p:cNvSpPr/>
+                <p:nvPr/>
+              </p:nvSpPr>
+              <p:spPr>
+                <a:xfrm>
+                  <a:off x="2847996" y="1251229"/>
+                  <a:ext cx="54000" cy="54000"/>
+                </a:xfrm>
+                <a:prstGeom prst="ellipse">
+                  <a:avLst/>
+                </a:prstGeom>
+                <a:solidFill>
+                  <a:schemeClr val="tx1"/>
+                </a:solidFill>
+                <a:ln>
+                  <a:noFill/>
+                </a:ln>
+              </p:spPr>
+              <p:style>
+                <a:lnRef idx="2">
+                  <a:schemeClr val="accent1">
+                    <a:shade val="50000"/>
+                  </a:schemeClr>
+                </a:lnRef>
+                <a:fillRef idx="1">
+                  <a:schemeClr val="accent1"/>
+                </a:fillRef>
+                <a:effectRef idx="0">
+                  <a:schemeClr val="accent1"/>
+                </a:effectRef>
+                <a:fontRef idx="minor">
+                  <a:schemeClr val="lt1"/>
+                </a:fontRef>
+              </p:style>
+              <p:txBody>
+                <a:bodyPr rtlCol="0" anchor="ctr"/>
+                <a:lstStyle/>
+                <a:p>
+                  <a:pPr algn="ctr"/>
+                  <a:endParaRPr lang="de-DE"/>
+                </a:p>
+              </p:txBody>
+            </p:sp>
+            <p:sp>
+              <p:nvSpPr>
+                <p:cNvPr id="30" name="Ellipse 29"/>
+                <p:cNvSpPr/>
+                <p:nvPr/>
+              </p:nvSpPr>
+              <p:spPr>
+                <a:xfrm>
+                  <a:off x="2892517" y="1142916"/>
+                  <a:ext cx="54000" cy="54000"/>
+                </a:xfrm>
+                <a:prstGeom prst="ellipse">
+                  <a:avLst/>
+                </a:prstGeom>
+                <a:solidFill>
+                  <a:schemeClr val="tx1"/>
+                </a:solidFill>
+                <a:ln>
+                  <a:noFill/>
+                </a:ln>
+              </p:spPr>
+              <p:style>
+                <a:lnRef idx="2">
+                  <a:schemeClr val="accent1">
+                    <a:shade val="50000"/>
+                  </a:schemeClr>
+                </a:lnRef>
+                <a:fillRef idx="1">
+                  <a:schemeClr val="accent1"/>
+                </a:fillRef>
+                <a:effectRef idx="0">
+                  <a:schemeClr val="accent1"/>
+                </a:effectRef>
+                <a:fontRef idx="minor">
+                  <a:schemeClr val="lt1"/>
+                </a:fontRef>
+              </p:style>
+              <p:txBody>
+                <a:bodyPr rtlCol="0" anchor="ctr"/>
+                <a:lstStyle/>
+                <a:p>
+                  <a:pPr algn="ctr"/>
+                  <a:endParaRPr lang="de-DE"/>
+                </a:p>
+              </p:txBody>
+            </p:sp>
+            <p:sp>
+              <p:nvSpPr>
+                <p:cNvPr id="31" name="Ellipse 30"/>
+                <p:cNvSpPr/>
+                <p:nvPr/>
+              </p:nvSpPr>
+              <p:spPr>
+                <a:xfrm>
+                  <a:off x="2759688" y="1351184"/>
+                  <a:ext cx="54000" cy="54000"/>
+                </a:xfrm>
+                <a:prstGeom prst="ellipse">
+                  <a:avLst/>
+                </a:prstGeom>
+                <a:solidFill>
+                  <a:schemeClr val="tx1"/>
+                </a:solidFill>
+                <a:ln>
+                  <a:noFill/>
+                </a:ln>
+              </p:spPr>
+              <p:style>
+                <a:lnRef idx="2">
+                  <a:schemeClr val="accent1">
+                    <a:shade val="50000"/>
+                  </a:schemeClr>
+                </a:lnRef>
+                <a:fillRef idx="1">
+                  <a:schemeClr val="accent1"/>
+                </a:fillRef>
+                <a:effectRef idx="0">
+                  <a:schemeClr val="accent1"/>
+                </a:effectRef>
+                <a:fontRef idx="minor">
+                  <a:schemeClr val="lt1"/>
+                </a:fontRef>
+              </p:style>
+              <p:txBody>
+                <a:bodyPr rtlCol="0" anchor="ctr"/>
+                <a:lstStyle/>
+                <a:p>
+                  <a:pPr algn="ctr"/>
+                  <a:endParaRPr lang="de-DE"/>
+                </a:p>
+              </p:txBody>
+            </p:sp>
+            <p:sp>
+              <p:nvSpPr>
+                <p:cNvPr id="32" name="Ellipse 31"/>
+                <p:cNvSpPr/>
+                <p:nvPr/>
+              </p:nvSpPr>
+              <p:spPr>
+                <a:xfrm>
+                  <a:off x="3045745" y="1051522"/>
+                  <a:ext cx="54000" cy="54000"/>
+                </a:xfrm>
+                <a:prstGeom prst="ellipse">
+                  <a:avLst/>
+                </a:prstGeom>
+                <a:solidFill>
+                  <a:schemeClr val="tx1"/>
+                </a:solidFill>
+                <a:ln>
+                  <a:noFill/>
+                </a:ln>
+              </p:spPr>
+              <p:style>
+                <a:lnRef idx="2">
+                  <a:schemeClr val="accent1">
+                    <a:shade val="50000"/>
+                  </a:schemeClr>
+                </a:lnRef>
+                <a:fillRef idx="1">
+                  <a:schemeClr val="accent1"/>
+                </a:fillRef>
+                <a:effectRef idx="0">
+                  <a:schemeClr val="accent1"/>
+                </a:effectRef>
+                <a:fontRef idx="minor">
+                  <a:schemeClr val="lt1"/>
+                </a:fontRef>
+              </p:style>
+              <p:txBody>
+                <a:bodyPr rtlCol="0" anchor="ctr"/>
+                <a:lstStyle/>
+                <a:p>
+                  <a:pPr algn="ctr"/>
+                  <a:endParaRPr lang="de-DE"/>
+                </a:p>
+              </p:txBody>
+            </p:sp>
+            <p:sp>
+              <p:nvSpPr>
+                <p:cNvPr id="33" name="Ellipse 32"/>
+                <p:cNvSpPr/>
+                <p:nvPr/>
+              </p:nvSpPr>
+              <p:spPr>
+                <a:xfrm>
+                  <a:off x="2923227" y="1068743"/>
+                  <a:ext cx="54000" cy="54000"/>
+                </a:xfrm>
+                <a:prstGeom prst="ellipse">
+                  <a:avLst/>
+                </a:prstGeom>
+                <a:solidFill>
+                  <a:schemeClr val="tx1"/>
+                </a:solidFill>
+                <a:ln>
+                  <a:noFill/>
+                </a:ln>
+              </p:spPr>
+              <p:style>
+                <a:lnRef idx="2">
+                  <a:schemeClr val="accent1">
+                    <a:shade val="50000"/>
+                  </a:schemeClr>
+                </a:lnRef>
+                <a:fillRef idx="1">
+                  <a:schemeClr val="accent1"/>
+                </a:fillRef>
+                <a:effectRef idx="0">
+                  <a:schemeClr val="accent1"/>
+                </a:effectRef>
+                <a:fontRef idx="minor">
+                  <a:schemeClr val="lt1"/>
+                </a:fontRef>
+              </p:style>
+              <p:txBody>
+                <a:bodyPr rtlCol="0" anchor="ctr"/>
+                <a:lstStyle/>
+                <a:p>
+                  <a:pPr algn="ctr"/>
+                  <a:endParaRPr lang="de-DE"/>
+                </a:p>
+              </p:txBody>
+            </p:sp>
+            <p:sp>
+              <p:nvSpPr>
+                <p:cNvPr id="34" name="Ellipse 33"/>
+                <p:cNvSpPr/>
+                <p:nvPr/>
+              </p:nvSpPr>
+              <p:spPr>
+                <a:xfrm>
+                  <a:off x="2759688" y="1267789"/>
+                  <a:ext cx="54000" cy="54000"/>
+                </a:xfrm>
+                <a:prstGeom prst="ellipse">
+                  <a:avLst/>
+                </a:prstGeom>
+                <a:solidFill>
+                  <a:schemeClr val="tx1"/>
+                </a:solidFill>
+                <a:ln>
+                  <a:noFill/>
+                </a:ln>
+              </p:spPr>
+              <p:style>
+                <a:lnRef idx="2">
+                  <a:schemeClr val="accent1">
+                    <a:shade val="50000"/>
+                  </a:schemeClr>
+                </a:lnRef>
+                <a:fillRef idx="1">
+                  <a:schemeClr val="accent1"/>
+                </a:fillRef>
+                <a:effectRef idx="0">
+                  <a:schemeClr val="accent1"/>
+                </a:effectRef>
+                <a:fontRef idx="minor">
+                  <a:schemeClr val="lt1"/>
+                </a:fontRef>
+              </p:style>
+              <p:txBody>
+                <a:bodyPr rtlCol="0" anchor="ctr"/>
+                <a:lstStyle/>
+                <a:p>
+                  <a:pPr algn="ctr"/>
+                  <a:endParaRPr lang="de-DE"/>
+                </a:p>
+              </p:txBody>
+            </p:sp>
+            <p:sp>
+              <p:nvSpPr>
+                <p:cNvPr id="35" name="Ellipse 34"/>
+                <p:cNvSpPr/>
+                <p:nvPr/>
+              </p:nvSpPr>
+              <p:spPr>
+                <a:xfrm>
+                  <a:off x="2803862" y="1186986"/>
+                  <a:ext cx="54000" cy="54000"/>
+                </a:xfrm>
+                <a:prstGeom prst="ellipse">
+                  <a:avLst/>
+                </a:prstGeom>
+                <a:solidFill>
+                  <a:schemeClr val="tx1"/>
+                </a:solidFill>
+                <a:ln>
+                  <a:noFill/>
+                </a:ln>
+              </p:spPr>
+              <p:style>
+                <a:lnRef idx="2">
+                  <a:schemeClr val="accent1">
+                    <a:shade val="50000"/>
+                  </a:schemeClr>
+                </a:lnRef>
+                <a:fillRef idx="1">
+                  <a:schemeClr val="accent1"/>
+                </a:fillRef>
+                <a:effectRef idx="0">
+                  <a:schemeClr val="accent1"/>
+                </a:effectRef>
+                <a:fontRef idx="minor">
+                  <a:schemeClr val="lt1"/>
+                </a:fontRef>
+              </p:style>
+              <p:txBody>
+                <a:bodyPr rtlCol="0" anchor="ctr"/>
+                <a:lstStyle/>
+                <a:p>
+                  <a:pPr algn="ctr"/>
+                  <a:endParaRPr lang="de-DE"/>
+                </a:p>
+              </p:txBody>
+            </p:sp>
+            <p:sp>
+              <p:nvSpPr>
+                <p:cNvPr id="36" name="Ellipse 35"/>
+                <p:cNvSpPr/>
+                <p:nvPr/>
+              </p:nvSpPr>
+              <p:spPr>
+                <a:xfrm rot="5400000">
+                  <a:off x="2519631" y="1452139"/>
+                  <a:ext cx="54000" cy="54000"/>
+                </a:xfrm>
+                <a:prstGeom prst="ellipse">
+                  <a:avLst/>
+                </a:prstGeom>
+                <a:solidFill>
+                  <a:schemeClr val="tx1"/>
+                </a:solidFill>
+                <a:ln>
+                  <a:noFill/>
+                </a:ln>
+              </p:spPr>
+              <p:style>
+                <a:lnRef idx="2">
+                  <a:schemeClr val="accent1">
+                    <a:shade val="50000"/>
+                  </a:schemeClr>
+                </a:lnRef>
+                <a:fillRef idx="1">
+                  <a:schemeClr val="accent1"/>
+                </a:fillRef>
+                <a:effectRef idx="0">
+                  <a:schemeClr val="accent1"/>
+                </a:effectRef>
+                <a:fontRef idx="minor">
+                  <a:schemeClr val="lt1"/>
+                </a:fontRef>
+              </p:style>
+              <p:txBody>
+                <a:bodyPr rtlCol="0" anchor="ctr"/>
+                <a:lstStyle/>
+                <a:p>
+                  <a:pPr algn="ctr"/>
+                  <a:endParaRPr lang="de-DE"/>
+                </a:p>
+              </p:txBody>
+            </p:sp>
+            <p:sp>
+              <p:nvSpPr>
+                <p:cNvPr id="37" name="Ellipse 36"/>
+                <p:cNvSpPr/>
+                <p:nvPr/>
+              </p:nvSpPr>
+              <p:spPr>
+                <a:xfrm rot="5400000">
+                  <a:off x="2558932" y="1534900"/>
+                  <a:ext cx="54000" cy="54000"/>
+                </a:xfrm>
+                <a:prstGeom prst="ellipse">
+                  <a:avLst/>
+                </a:prstGeom>
+                <a:solidFill>
+                  <a:schemeClr val="tx1"/>
+                </a:solidFill>
+                <a:ln>
+                  <a:noFill/>
+                </a:ln>
+              </p:spPr>
+              <p:style>
+                <a:lnRef idx="2">
+                  <a:schemeClr val="accent1">
+                    <a:shade val="50000"/>
+                  </a:schemeClr>
+                </a:lnRef>
+                <a:fillRef idx="1">
+                  <a:schemeClr val="accent1"/>
+                </a:fillRef>
+                <a:effectRef idx="0">
+                  <a:schemeClr val="accent1"/>
+                </a:effectRef>
+                <a:fontRef idx="minor">
+                  <a:schemeClr val="lt1"/>
+                </a:fontRef>
+              </p:style>
+              <p:txBody>
+                <a:bodyPr rtlCol="0" anchor="ctr"/>
+                <a:lstStyle/>
+                <a:p>
+                  <a:pPr algn="ctr"/>
+                  <a:endParaRPr lang="de-DE"/>
+                </a:p>
+              </p:txBody>
+            </p:sp>
+            <p:sp>
+              <p:nvSpPr>
+                <p:cNvPr id="38" name="Ellipse 37"/>
+                <p:cNvSpPr/>
+                <p:nvPr/>
+              </p:nvSpPr>
+              <p:spPr>
+                <a:xfrm rot="5400000">
+                  <a:off x="2460199" y="1573568"/>
+                  <a:ext cx="54000" cy="54000"/>
+                </a:xfrm>
+                <a:prstGeom prst="ellipse">
+                  <a:avLst/>
+                </a:prstGeom>
+                <a:solidFill>
+                  <a:schemeClr val="tx1"/>
+                </a:solidFill>
+                <a:ln>
+                  <a:noFill/>
+                </a:ln>
+              </p:spPr>
+              <p:style>
+                <a:lnRef idx="2">
+                  <a:schemeClr val="accent1">
+                    <a:shade val="50000"/>
+                  </a:schemeClr>
+                </a:lnRef>
+                <a:fillRef idx="1">
+                  <a:schemeClr val="accent1"/>
+                </a:fillRef>
+                <a:effectRef idx="0">
+                  <a:schemeClr val="accent1"/>
+                </a:effectRef>
+                <a:fontRef idx="minor">
+                  <a:schemeClr val="lt1"/>
+                </a:fontRef>
+              </p:style>
+              <p:txBody>
+                <a:bodyPr rtlCol="0" anchor="ctr"/>
+                <a:lstStyle/>
+                <a:p>
+                  <a:pPr algn="ctr"/>
+                  <a:endParaRPr lang="de-DE"/>
+                </a:p>
+              </p:txBody>
+            </p:sp>
+            <p:sp>
+              <p:nvSpPr>
+                <p:cNvPr id="39" name="Ellipse 38"/>
+                <p:cNvSpPr/>
+                <p:nvPr/>
+              </p:nvSpPr>
+              <p:spPr>
+                <a:xfrm rot="5400000">
+                  <a:off x="2612932" y="1438064"/>
+                  <a:ext cx="54000" cy="54000"/>
+                </a:xfrm>
+                <a:prstGeom prst="ellipse">
+                  <a:avLst/>
+                </a:prstGeom>
+                <a:solidFill>
+                  <a:schemeClr val="tx1"/>
+                </a:solidFill>
+                <a:ln>
+                  <a:noFill/>
+                </a:ln>
+              </p:spPr>
+              <p:style>
+                <a:lnRef idx="2">
+                  <a:schemeClr val="accent1">
+                    <a:shade val="50000"/>
+                  </a:schemeClr>
+                </a:lnRef>
+                <a:fillRef idx="1">
+                  <a:schemeClr val="accent1"/>
+                </a:fillRef>
+                <a:effectRef idx="0">
+                  <a:schemeClr val="accent1"/>
+                </a:effectRef>
+                <a:fontRef idx="minor">
+                  <a:schemeClr val="lt1"/>
+                </a:fontRef>
+              </p:style>
+              <p:txBody>
+                <a:bodyPr rtlCol="0" anchor="ctr"/>
+                <a:lstStyle/>
+                <a:p>
+                  <a:pPr algn="ctr"/>
+                  <a:endParaRPr lang="de-DE"/>
+                </a:p>
+              </p:txBody>
+            </p:sp>
+            <p:sp>
+              <p:nvSpPr>
+                <p:cNvPr id="40" name="Ellipse 39"/>
+                <p:cNvSpPr/>
+                <p:nvPr/>
+              </p:nvSpPr>
+              <p:spPr>
+                <a:xfrm rot="5400000">
+                  <a:off x="2676152" y="1321789"/>
+                  <a:ext cx="54000" cy="54000"/>
+                </a:xfrm>
+                <a:prstGeom prst="ellipse">
+                  <a:avLst/>
+                </a:prstGeom>
+                <a:solidFill>
+                  <a:schemeClr val="tx1"/>
+                </a:solidFill>
+                <a:ln>
+                  <a:noFill/>
+                </a:ln>
+              </p:spPr>
+              <p:style>
+                <a:lnRef idx="2">
+                  <a:schemeClr val="accent1">
+                    <a:shade val="50000"/>
+                  </a:schemeClr>
+                </a:lnRef>
+                <a:fillRef idx="1">
+                  <a:schemeClr val="accent1"/>
+                </a:fillRef>
+                <a:effectRef idx="0">
+                  <a:schemeClr val="accent1"/>
+                </a:effectRef>
+                <a:fontRef idx="minor">
+                  <a:schemeClr val="lt1"/>
+                </a:fontRef>
+              </p:style>
+              <p:txBody>
+                <a:bodyPr rtlCol="0" anchor="ctr"/>
+                <a:lstStyle/>
+                <a:p>
+                  <a:pPr algn="ctr"/>
+                  <a:endParaRPr lang="de-DE"/>
+                </a:p>
+              </p:txBody>
+            </p:sp>
+            <p:sp>
+              <p:nvSpPr>
+                <p:cNvPr id="41" name="Ellipse 40"/>
+                <p:cNvSpPr/>
+                <p:nvPr/>
+              </p:nvSpPr>
+              <p:spPr>
+                <a:xfrm rot="5400000">
+                  <a:off x="2693932" y="1420461"/>
+                  <a:ext cx="54000" cy="54000"/>
+                </a:xfrm>
+                <a:prstGeom prst="ellipse">
+                  <a:avLst/>
+                </a:prstGeom>
+                <a:solidFill>
+                  <a:schemeClr val="tx1"/>
+                </a:solidFill>
+                <a:ln>
+                  <a:noFill/>
+                </a:ln>
+              </p:spPr>
+              <p:style>
+                <a:lnRef idx="2">
+                  <a:schemeClr val="accent1">
+                    <a:shade val="50000"/>
+                  </a:schemeClr>
+                </a:lnRef>
+                <a:fillRef idx="1">
+                  <a:schemeClr val="accent1"/>
+                </a:fillRef>
+                <a:effectRef idx="0">
+                  <a:schemeClr val="accent1"/>
+                </a:effectRef>
+                <a:fontRef idx="minor">
+                  <a:schemeClr val="lt1"/>
+                </a:fontRef>
+              </p:style>
+              <p:txBody>
+                <a:bodyPr rtlCol="0" anchor="ctr"/>
+                <a:lstStyle/>
+                <a:p>
+                  <a:pPr algn="ctr"/>
+                  <a:endParaRPr lang="de-DE"/>
+                </a:p>
+              </p:txBody>
+            </p:sp>
+            <p:cxnSp>
+              <p:nvCxnSpPr>
+                <p:cNvPr id="42" name="Gerader Verbinder 41"/>
+                <p:cNvCxnSpPr/>
+                <p:nvPr/>
+              </p:nvCxnSpPr>
+              <p:spPr>
+                <a:xfrm flipV="1">
+                  <a:off x="2487199" y="1079881"/>
+                  <a:ext cx="540000" cy="540000"/>
+                </a:xfrm>
+                <a:prstGeom prst="line">
+                  <a:avLst/>
+                </a:prstGeom>
+                <a:ln w="28575">
+                  <a:solidFill>
+                    <a:schemeClr val="tx1"/>
+                  </a:solidFill>
+                </a:ln>
+              </p:spPr>
+              <p:style>
+                <a:lnRef idx="1">
+                  <a:schemeClr val="accent1"/>
+                </a:lnRef>
+                <a:fillRef idx="0">
+                  <a:schemeClr val="accent1"/>
+                </a:fillRef>
+                <a:effectRef idx="0">
+                  <a:schemeClr val="accent1"/>
+                </a:effectRef>
+                <a:fontRef idx="minor">
+                  <a:schemeClr val="tx1"/>
+                </a:fontRef>
+              </p:style>
+            </p:cxnSp>
+          </p:grpSp>
+          <p:sp>
+            <p:nvSpPr>
+              <p:cNvPr id="72" name="Textfeld 71">
+                <a:extLst>
+                  <a:ext uri="{FF2B5EF4-FFF2-40B4-BE49-F238E27FC236}">
+                    <a16:creationId xmlns:a16="http://schemas.microsoft.com/office/drawing/2014/main" id="{5AFA251F-368D-4F3A-9B62-95E6FC2B494E}"/>
+                  </a:ext>
+                </a:extLst>
+              </p:cNvPr>
+              <p:cNvSpPr txBox="1"/>
+              <p:nvPr/>
+            </p:nvSpPr>
+            <p:spPr>
+              <a:xfrm>
+                <a:off x="3871463" y="1260000"/>
+                <a:ext cx="1512000" cy="252000"/>
+              </a:xfrm>
+              <a:prstGeom prst="rect">
+                <a:avLst/>
+              </a:prstGeom>
+              <a:noFill/>
+            </p:spPr>
+            <p:txBody>
+              <a:bodyPr wrap="square" lIns="0" tIns="0" rIns="0" bIns="0" rtlCol="0" anchor="ctr" anchorCtr="0">
+                <a:noAutofit/>
+              </a:bodyPr>
+              <a:lstStyle/>
+              <a:p>
+                <a:pPr algn="ctr"/>
+                <a:r>
+                  <a:rPr lang="de-DE" sz="1200" dirty="0" smtClean="0">
+                    <a:latin typeface="Arial Rounded MT Bold" panose="020F0704030504030204" pitchFamily="34" charset="0"/>
+                  </a:rPr>
+                  <a:t>Data </a:t>
+                </a:r>
+                <a:r>
+                  <a:rPr lang="de-DE" sz="1200" dirty="0" err="1" smtClean="0">
+                    <a:latin typeface="Arial Rounded MT Bold" panose="020F0704030504030204" pitchFamily="34" charset="0"/>
+                  </a:rPr>
+                  <a:t>regression</a:t>
+                </a:r>
+                <a:endParaRPr lang="en-US" sz="1400" dirty="0">
+                  <a:latin typeface="Arial Rounded MT Bold" panose="020F0704030504030204" pitchFamily="34" charset="0"/>
+                </a:endParaRPr>
+              </a:p>
+            </p:txBody>
+          </p:sp>
+        </p:grpSp>
+        <p:sp>
+          <p:nvSpPr>
+            <p:cNvPr id="125" name="Rechteck 124"/>
+            <p:cNvSpPr/>
+            <p:nvPr/>
+          </p:nvSpPr>
+          <p:spPr>
+            <a:xfrm>
+              <a:off x="3790480" y="-104925"/>
+              <a:ext cx="1692000" cy="1692000"/>
+            </a:xfrm>
+            <a:prstGeom prst="rect">
+              <a:avLst/>
+            </a:prstGeom>
+            <a:noFill/>
+            <a:ln>
+              <a:noFill/>
+            </a:ln>
+          </p:spPr>
+          <p:style>
+            <a:lnRef idx="2">
+              <a:schemeClr val="accent1">
+                <a:shade val="50000"/>
+              </a:schemeClr>
+            </a:lnRef>
+            <a:fillRef idx="1">
+              <a:schemeClr val="accent1"/>
+            </a:fillRef>
+            <a:effectRef idx="0">
+              <a:schemeClr val="accent1"/>
+            </a:effectRef>
+            <a:fontRef idx="minor">
+              <a:schemeClr val="lt1"/>
+            </a:fontRef>
+          </p:style>
+          <p:txBody>
+            <a:bodyPr rtlCol="0" anchor="ctr"/>
+            <a:lstStyle/>
+            <a:p>
+              <a:pPr algn="ctr"/>
+              <a:endParaRPr lang="de-DE"/>
+            </a:p>
+          </p:txBody>
+        </p:sp>
+      </p:grpSp>
+      <p:grpSp>
+        <p:nvGrpSpPr>
+          <p:cNvPr id="149" name="Gruppieren 148"/>
+          <p:cNvGrpSpPr/>
+          <p:nvPr/>
+        </p:nvGrpSpPr>
+        <p:grpSpPr>
+          <a:xfrm>
+            <a:off x="5692065" y="-93600"/>
+            <a:ext cx="1692000" cy="1692000"/>
+            <a:chOff x="5692065" y="-93600"/>
+            <a:chExt cx="1692000" cy="1692000"/>
+          </a:xfrm>
+        </p:grpSpPr>
+        <p:grpSp>
+          <p:nvGrpSpPr>
+            <p:cNvPr id="45" name="Gruppieren 44"/>
+            <p:cNvGrpSpPr/>
+            <p:nvPr/>
+          </p:nvGrpSpPr>
+          <p:grpSpPr>
+            <a:xfrm>
+              <a:off x="6637065" y="689400"/>
+              <a:ext cx="495000" cy="495000"/>
+              <a:chOff x="5374742" y="3770661"/>
+              <a:chExt cx="719999" cy="720000"/>
+            </a:xfrm>
+          </p:grpSpPr>
+          <p:sp>
+            <p:nvSpPr>
+              <p:cNvPr id="47" name="Abgerundetes Rechteck 46"/>
+              <p:cNvSpPr/>
+              <p:nvPr/>
+            </p:nvSpPr>
+            <p:spPr>
+              <a:xfrm>
+                <a:off x="5374742" y="3770661"/>
+                <a:ext cx="719999" cy="720000"/>
+              </a:xfrm>
+              <a:prstGeom prst="roundRect">
+                <a:avLst/>
+              </a:prstGeom>
+              <a:noFill/>
+              <a:ln w="19050">
+                <a:solidFill>
+                  <a:schemeClr val="tx1"/>
+                </a:solidFill>
+              </a:ln>
+            </p:spPr>
+            <p:style>
+              <a:lnRef idx="2">
+                <a:schemeClr val="accent1">
+                  <a:shade val="50000"/>
+                </a:schemeClr>
+              </a:lnRef>
+              <a:fillRef idx="1">
+                <a:schemeClr val="accent1"/>
+              </a:fillRef>
+              <a:effectRef idx="0">
+                <a:schemeClr val="accent1"/>
+              </a:effectRef>
+              <a:fontRef idx="minor">
+                <a:schemeClr val="lt1"/>
+              </a:fontRef>
+            </p:style>
+            <p:txBody>
+              <a:bodyPr rtlCol="0" anchor="ctr"/>
+              <a:lstStyle/>
+              <a:p>
+                <a:pPr algn="ctr"/>
+                <a:endParaRPr lang="de-DE"/>
+              </a:p>
+            </p:txBody>
+          </p:sp>
+          <p:grpSp>
+            <p:nvGrpSpPr>
+              <p:cNvPr id="48" name="Gruppieren 47"/>
+              <p:cNvGrpSpPr/>
+              <p:nvPr/>
+            </p:nvGrpSpPr>
+            <p:grpSpPr>
+              <a:xfrm>
+                <a:off x="5461808" y="3879940"/>
+                <a:ext cx="545885" cy="501443"/>
+                <a:chOff x="5459310" y="3873437"/>
+                <a:chExt cx="545885" cy="501443"/>
+              </a:xfrm>
+            </p:grpSpPr>
+            <p:grpSp>
+              <p:nvGrpSpPr>
+                <p:cNvPr id="49" name="Gruppieren 48"/>
+                <p:cNvGrpSpPr/>
+                <p:nvPr/>
+              </p:nvGrpSpPr>
+              <p:grpSpPr>
+                <a:xfrm>
+                  <a:off x="5459310" y="3927205"/>
+                  <a:ext cx="545885" cy="447675"/>
+                  <a:chOff x="5461808" y="3927205"/>
+                  <a:chExt cx="545885" cy="447675"/>
+                </a:xfrm>
+              </p:grpSpPr>
+              <p:sp>
+                <p:nvSpPr>
+                  <p:cNvPr id="51" name="Gleichschenkliges Dreieck 50"/>
+                  <p:cNvSpPr/>
+                  <p:nvPr/>
+                </p:nvSpPr>
+                <p:spPr>
+                  <a:xfrm>
+                    <a:off x="5461808" y="3927205"/>
+                    <a:ext cx="354956" cy="447675"/>
+                  </a:xfrm>
+                  <a:prstGeom prst="triangle">
+                    <a:avLst/>
+                  </a:prstGeom>
+                  <a:solidFill>
+                    <a:schemeClr val="tx1"/>
+                  </a:solidFill>
+                  <a:ln cap="rnd">
+                    <a:noFill/>
+                    <a:round/>
+                  </a:ln>
+                </p:spPr>
+                <p:style>
+                  <a:lnRef idx="2">
+                    <a:schemeClr val="accent1">
+                      <a:shade val="50000"/>
+                    </a:schemeClr>
+                  </a:lnRef>
+                  <a:fillRef idx="1">
+                    <a:schemeClr val="accent1"/>
+                  </a:fillRef>
+                  <a:effectRef idx="0">
+                    <a:schemeClr val="accent1"/>
+                  </a:effectRef>
+                  <a:fontRef idx="minor">
+                    <a:schemeClr val="lt1"/>
+                  </a:fontRef>
+                </p:style>
+                <p:txBody>
+                  <a:bodyPr rtlCol="0" anchor="ctr"/>
+                  <a:lstStyle/>
+                  <a:p>
+                    <a:pPr algn="ctr"/>
+                    <a:endParaRPr lang="de-DE"/>
+                  </a:p>
+                </p:txBody>
+              </p:sp>
+              <p:sp>
+                <p:nvSpPr>
+                  <p:cNvPr id="52" name="Gleichschenkliges Dreieck 51"/>
+                  <p:cNvSpPr/>
+                  <p:nvPr/>
+                </p:nvSpPr>
+                <p:spPr>
+                  <a:xfrm>
+                    <a:off x="5598122" y="4076430"/>
+                    <a:ext cx="409571" cy="298450"/>
+                  </a:xfrm>
+                  <a:prstGeom prst="triangle">
+                    <a:avLst/>
+                  </a:prstGeom>
+                  <a:solidFill>
+                    <a:schemeClr val="tx1"/>
+                  </a:solidFill>
+                  <a:ln cap="rnd">
+                    <a:noFill/>
+                    <a:round/>
+                  </a:ln>
+                </p:spPr>
+                <p:style>
+                  <a:lnRef idx="2">
+                    <a:schemeClr val="accent1">
+                      <a:shade val="50000"/>
+                    </a:schemeClr>
+                  </a:lnRef>
+                  <a:fillRef idx="1">
+                    <a:schemeClr val="accent1"/>
+                  </a:fillRef>
+                  <a:effectRef idx="0">
+                    <a:schemeClr val="accent1"/>
+                  </a:effectRef>
+                  <a:fontRef idx="minor">
+                    <a:schemeClr val="lt1"/>
+                  </a:fontRef>
+                </p:style>
+                <p:txBody>
+                  <a:bodyPr rtlCol="0" anchor="ctr"/>
+                  <a:lstStyle/>
+                  <a:p>
+                    <a:pPr algn="ctr"/>
+                    <a:endParaRPr lang="de-DE"/>
+                  </a:p>
+                </p:txBody>
+              </p:sp>
+            </p:grpSp>
+            <p:sp>
+              <p:nvSpPr>
+                <p:cNvPr id="50" name="Mond 49"/>
+                <p:cNvSpPr/>
+                <p:nvPr/>
+              </p:nvSpPr>
+              <p:spPr>
+                <a:xfrm>
+                  <a:off x="5843230" y="3873437"/>
+                  <a:ext cx="126000" cy="216000"/>
+                </a:xfrm>
+                <a:prstGeom prst="moon">
+                  <a:avLst/>
+                </a:prstGeom>
+                <a:solidFill>
+                  <a:schemeClr val="tx1"/>
+                </a:solidFill>
+                <a:ln>
+                  <a:noFill/>
+                </a:ln>
+              </p:spPr>
+              <p:style>
+                <a:lnRef idx="2">
+                  <a:schemeClr val="accent1">
+                    <a:shade val="50000"/>
+                  </a:schemeClr>
+                </a:lnRef>
+                <a:fillRef idx="1">
+                  <a:schemeClr val="accent1"/>
+                </a:fillRef>
+                <a:effectRef idx="0">
+                  <a:schemeClr val="accent1"/>
+                </a:effectRef>
+                <a:fontRef idx="minor">
+                  <a:schemeClr val="lt1"/>
+                </a:fontRef>
+              </p:style>
+              <p:txBody>
+                <a:bodyPr rtlCol="0" anchor="ctr"/>
+                <a:lstStyle/>
+                <a:p>
+                  <a:pPr algn="ctr"/>
+                  <a:endParaRPr lang="de-DE" dirty="0"/>
+                </a:p>
+              </p:txBody>
+            </p:sp>
+          </p:grpSp>
+        </p:grpSp>
+        <p:cxnSp>
+          <p:nvCxnSpPr>
+            <p:cNvPr id="46" name="Gerader Verbinder 45"/>
+            <p:cNvCxnSpPr/>
+            <p:nvPr/>
+          </p:nvCxnSpPr>
+          <p:spPr>
+            <a:xfrm rot="5400000">
+              <a:off x="6043065" y="95400"/>
+              <a:ext cx="990000" cy="990000"/>
+            </a:xfrm>
+            <a:prstGeom prst="line">
+              <a:avLst/>
+            </a:prstGeom>
+            <a:ln w="38100">
+              <a:solidFill>
+                <a:schemeClr val="tx1"/>
+              </a:solidFill>
+            </a:ln>
+          </p:spPr>
+          <p:style>
+            <a:lnRef idx="1">
+              <a:schemeClr val="accent1"/>
+            </a:lnRef>
+            <a:fillRef idx="0">
+              <a:schemeClr val="accent1"/>
+            </a:fillRef>
+            <a:effectRef idx="0">
+              <a:schemeClr val="accent1"/>
+            </a:effectRef>
+            <a:fontRef idx="minor">
+              <a:schemeClr val="tx1"/>
+            </a:fontRef>
+          </p:style>
+        </p:cxnSp>
+        <p:sp>
+          <p:nvSpPr>
+            <p:cNvPr id="74" name="Textfeld 73">
+              <a:extLst>
+                <a:ext uri="{FF2B5EF4-FFF2-40B4-BE49-F238E27FC236}">
+                  <a16:creationId xmlns:a16="http://schemas.microsoft.com/office/drawing/2014/main" id="{5AFA251F-368D-4F3A-9B62-95E6FC2B494E}"/>
+                </a:ext>
+              </a:extLst>
+            </p:cNvPr>
+            <p:cNvSpPr txBox="1"/>
+            <p:nvPr/>
+          </p:nvSpPr>
+          <p:spPr>
+            <a:xfrm>
+              <a:off x="5782065" y="1256400"/>
+              <a:ext cx="1512000" cy="252000"/>
+            </a:xfrm>
+            <a:prstGeom prst="rect">
+              <a:avLst/>
+            </a:prstGeom>
+            <a:noFill/>
+          </p:spPr>
+          <p:txBody>
+            <a:bodyPr wrap="square" lIns="0" tIns="0" rIns="0" bIns="0" rtlCol="0" anchor="ctr" anchorCtr="0">
+              <a:noAutofit/>
+            </a:bodyPr>
+            <a:lstStyle/>
+            <a:p>
+              <a:pPr algn="ctr"/>
+              <a:r>
+                <a:rPr lang="de-DE" sz="1200" dirty="0" smtClean="0">
+                  <a:latin typeface="Arial Rounded MT Bold" panose="020F0704030504030204" pitchFamily="34" charset="0"/>
+                </a:rPr>
+                <a:t>Image </a:t>
+              </a:r>
+              <a:r>
+                <a:rPr lang="de-DE" sz="1200" dirty="0" err="1">
+                  <a:latin typeface="Arial Rounded MT Bold" panose="020F0704030504030204" pitchFamily="34" charset="0"/>
+                </a:rPr>
+                <a:t>c</a:t>
+              </a:r>
+              <a:r>
+                <a:rPr lang="de-DE" sz="1200" dirty="0" err="1" smtClean="0">
+                  <a:latin typeface="Arial Rounded MT Bold" panose="020F0704030504030204" pitchFamily="34" charset="0"/>
+                </a:rPr>
+                <a:t>lassification</a:t>
+              </a:r>
+              <a:endParaRPr lang="en-US" sz="1400" dirty="0">
+                <a:latin typeface="Arial Rounded MT Bold" panose="020F0704030504030204" pitchFamily="34" charset="0"/>
+              </a:endParaRPr>
+            </a:p>
+          </p:txBody>
+        </p:sp>
+        <p:sp>
+          <p:nvSpPr>
+            <p:cNvPr id="102" name="Rechteck 101"/>
+            <p:cNvSpPr/>
+            <p:nvPr/>
+          </p:nvSpPr>
+          <p:spPr>
+            <a:xfrm>
+              <a:off x="5692065" y="-93600"/>
+              <a:ext cx="1692000" cy="1692000"/>
+            </a:xfrm>
+            <a:prstGeom prst="rect">
+              <a:avLst/>
+            </a:prstGeom>
+            <a:noFill/>
+            <a:ln>
+              <a:noFill/>
+            </a:ln>
+          </p:spPr>
+          <p:style>
+            <a:lnRef idx="2">
+              <a:schemeClr val="accent1">
+                <a:shade val="50000"/>
+              </a:schemeClr>
+            </a:lnRef>
+            <a:fillRef idx="1">
+              <a:schemeClr val="accent1"/>
+            </a:fillRef>
+            <a:effectRef idx="0">
+              <a:schemeClr val="accent1"/>
+            </a:effectRef>
+            <a:fontRef idx="minor">
+              <a:schemeClr val="lt1"/>
+            </a:fontRef>
+          </p:style>
+          <p:txBody>
+            <a:bodyPr rtlCol="0" anchor="ctr"/>
+            <a:lstStyle/>
+            <a:p>
+              <a:pPr algn="ctr"/>
+              <a:endParaRPr lang="de-DE"/>
+            </a:p>
+          </p:txBody>
+        </p:sp>
+        <p:grpSp>
+          <p:nvGrpSpPr>
+            <p:cNvPr id="142" name="Gruppieren 141"/>
+            <p:cNvGrpSpPr/>
+            <p:nvPr/>
+          </p:nvGrpSpPr>
+          <p:grpSpPr>
+            <a:xfrm>
+              <a:off x="5943600" y="-3600"/>
+              <a:ext cx="495001" cy="495000"/>
+              <a:chOff x="5374750" y="2860674"/>
+              <a:chExt cx="720000" cy="720000"/>
+            </a:xfrm>
+          </p:grpSpPr>
+          <p:sp>
+            <p:nvSpPr>
+              <p:cNvPr id="143" name="Abgerundetes Rechteck 142"/>
+              <p:cNvSpPr/>
+              <p:nvPr/>
+            </p:nvSpPr>
+            <p:spPr>
+              <a:xfrm>
+                <a:off x="5374750" y="2860674"/>
+                <a:ext cx="720000" cy="720000"/>
+              </a:xfrm>
+              <a:prstGeom prst="roundRect">
+                <a:avLst/>
+              </a:prstGeom>
+              <a:noFill/>
+              <a:ln w="19050">
+                <a:solidFill>
+                  <a:schemeClr val="tx1"/>
+                </a:solidFill>
+              </a:ln>
+            </p:spPr>
+            <p:style>
+              <a:lnRef idx="2">
+                <a:schemeClr val="accent1">
+                  <a:shade val="50000"/>
+                </a:schemeClr>
+              </a:lnRef>
+              <a:fillRef idx="1">
+                <a:schemeClr val="accent1"/>
+              </a:fillRef>
+              <a:effectRef idx="0">
+                <a:schemeClr val="accent1"/>
+              </a:effectRef>
+              <a:fontRef idx="minor">
+                <a:schemeClr val="lt1"/>
+              </a:fontRef>
+            </p:style>
+            <p:txBody>
+              <a:bodyPr rtlCol="0" anchor="ctr"/>
+              <a:lstStyle/>
+              <a:p>
+                <a:pPr algn="ctr"/>
+                <a:endParaRPr lang="de-DE"/>
+              </a:p>
+            </p:txBody>
+          </p:sp>
+          <p:grpSp>
+            <p:nvGrpSpPr>
+              <p:cNvPr id="144" name="Gruppieren 143"/>
+              <p:cNvGrpSpPr/>
+              <p:nvPr/>
+            </p:nvGrpSpPr>
+            <p:grpSpPr>
+              <a:xfrm>
+                <a:off x="5457290" y="2963449"/>
+                <a:ext cx="554920" cy="514450"/>
+                <a:chOff x="5459310" y="2963449"/>
+                <a:chExt cx="554920" cy="514450"/>
+              </a:xfrm>
+            </p:grpSpPr>
+            <p:grpSp>
+              <p:nvGrpSpPr>
+                <p:cNvPr id="145" name="Gruppieren 144"/>
+                <p:cNvGrpSpPr/>
+                <p:nvPr/>
+              </p:nvGrpSpPr>
+              <p:grpSpPr>
+                <a:xfrm>
+                  <a:off x="5459310" y="3030224"/>
+                  <a:ext cx="545885" cy="447675"/>
+                  <a:chOff x="5456812" y="3030224"/>
+                  <a:chExt cx="545885" cy="447675"/>
+                </a:xfrm>
+              </p:grpSpPr>
+              <p:sp>
+                <p:nvSpPr>
+                  <p:cNvPr id="147" name="Gleichschenkliges Dreieck 146"/>
+                  <p:cNvSpPr/>
+                  <p:nvPr/>
+                </p:nvSpPr>
+                <p:spPr>
+                  <a:xfrm>
+                    <a:off x="5456812" y="3030224"/>
+                    <a:ext cx="354956" cy="447675"/>
+                  </a:xfrm>
+                  <a:prstGeom prst="triangle">
+                    <a:avLst/>
+                  </a:prstGeom>
+                  <a:solidFill>
+                    <a:schemeClr val="tx1"/>
+                  </a:solidFill>
+                  <a:ln cap="rnd">
+                    <a:noFill/>
+                    <a:round/>
+                  </a:ln>
+                </p:spPr>
+                <p:style>
+                  <a:lnRef idx="2">
+                    <a:schemeClr val="accent1">
+                      <a:shade val="50000"/>
+                    </a:schemeClr>
+                  </a:lnRef>
+                  <a:fillRef idx="1">
+                    <a:schemeClr val="accent1"/>
+                  </a:fillRef>
+                  <a:effectRef idx="0">
+                    <a:schemeClr val="accent1"/>
+                  </a:effectRef>
+                  <a:fontRef idx="minor">
+                    <a:schemeClr val="lt1"/>
+                  </a:fontRef>
+                </p:style>
+                <p:txBody>
+                  <a:bodyPr rtlCol="0" anchor="ctr"/>
+                  <a:lstStyle/>
+                  <a:p>
+                    <a:pPr algn="ctr"/>
+                    <a:endParaRPr lang="de-DE"/>
+                  </a:p>
+                </p:txBody>
+              </p:sp>
+              <p:sp>
+                <p:nvSpPr>
+                  <p:cNvPr id="148" name="Gleichschenkliges Dreieck 147"/>
+                  <p:cNvSpPr/>
+                  <p:nvPr/>
+                </p:nvSpPr>
+                <p:spPr>
+                  <a:xfrm>
+                    <a:off x="5593126" y="3179449"/>
+                    <a:ext cx="409571" cy="298450"/>
+                  </a:xfrm>
+                  <a:prstGeom prst="triangle">
+                    <a:avLst/>
+                  </a:prstGeom>
+                  <a:solidFill>
+                    <a:schemeClr val="tx1"/>
+                  </a:solidFill>
+                  <a:ln cap="rnd">
+                    <a:noFill/>
+                    <a:round/>
+                  </a:ln>
+                </p:spPr>
+                <p:style>
+                  <a:lnRef idx="2">
+                    <a:schemeClr val="accent1">
+                      <a:shade val="50000"/>
+                    </a:schemeClr>
+                  </a:lnRef>
+                  <a:fillRef idx="1">
+                    <a:schemeClr val="accent1"/>
+                  </a:fillRef>
+                  <a:effectRef idx="0">
+                    <a:schemeClr val="accent1"/>
+                  </a:effectRef>
+                  <a:fontRef idx="minor">
+                    <a:schemeClr val="lt1"/>
+                  </a:fontRef>
+                </p:style>
+                <p:txBody>
+                  <a:bodyPr rtlCol="0" anchor="ctr"/>
+                  <a:lstStyle/>
+                  <a:p>
+                    <a:pPr algn="ctr"/>
+                    <a:endParaRPr lang="de-DE"/>
+                  </a:p>
+                </p:txBody>
+              </p:sp>
+            </p:grpSp>
+            <p:sp>
+              <p:nvSpPr>
+                <p:cNvPr id="146" name="Sonne 145"/>
+                <p:cNvSpPr/>
+                <p:nvPr/>
+              </p:nvSpPr>
+              <p:spPr>
+                <a:xfrm>
+                  <a:off x="5798230" y="2963449"/>
+                  <a:ext cx="216000" cy="216000"/>
+                </a:xfrm>
+                <a:prstGeom prst="sun">
+                  <a:avLst/>
+                </a:prstGeom>
+                <a:solidFill>
+                  <a:schemeClr val="tx1"/>
+                </a:solidFill>
+                <a:ln>
+                  <a:noFill/>
+                </a:ln>
+              </p:spPr>
+              <p:style>
+                <a:lnRef idx="2">
+                  <a:schemeClr val="accent1">
+                    <a:shade val="50000"/>
+                  </a:schemeClr>
+                </a:lnRef>
+                <a:fillRef idx="1">
+                  <a:schemeClr val="accent1"/>
+                </a:fillRef>
+                <a:effectRef idx="0">
+                  <a:schemeClr val="accent1"/>
+                </a:effectRef>
+                <a:fontRef idx="minor">
+                  <a:schemeClr val="lt1"/>
+                </a:fontRef>
+              </p:style>
+              <p:txBody>
+                <a:bodyPr rtlCol="0" anchor="ctr"/>
+                <a:lstStyle/>
+                <a:p>
+                  <a:pPr algn="ctr"/>
+                  <a:endParaRPr lang="de-DE"/>
+                </a:p>
+              </p:txBody>
+            </p:sp>
+          </p:grpSp>
+        </p:grpSp>
+      </p:grpSp>
+    </p:spTree>
+    <p:extLst>
+      <p:ext uri="{BB962C8B-B14F-4D97-AF65-F5344CB8AC3E}">
+        <p14:creationId xmlns:p14="http://schemas.microsoft.com/office/powerpoint/2010/main" val="187433574"/>
+      </p:ext>
+    </p:extLst>
+  </p:cSld>
+  <p:clrMapOvr>
+    <a:masterClrMapping/>
+  </p:clrMapOvr>
+</p:sld>
+</file>
+
+<file path=ppt/slides/slide2.xml><?xml version="1.0" encoding="utf-8"?>
 <p:sld xmlns:a="http://schemas.openxmlformats.org/drawingml/2006/main" xmlns:r="http://schemas.openxmlformats.org/officeDocument/2006/relationships" xmlns:p="http://schemas.openxmlformats.org/presentationml/2006/main">
   <p:cSld>
     <p:spTree>
@@ -8381,7 +11332,7 @@
 </p:sld>
 </file>
 
-<file path=ppt/slides/slide2.xml><?xml version="1.0" encoding="utf-8"?>
+<file path=ppt/slides/slide3.xml><?xml version="1.0" encoding="utf-8"?>
 <p:sld xmlns:a="http://schemas.openxmlformats.org/drawingml/2006/main" xmlns:r="http://schemas.openxmlformats.org/officeDocument/2006/relationships" xmlns:p="http://schemas.openxmlformats.org/presentationml/2006/main">
   <p:cSld>
     <p:spTree>
@@ -8450,7 +11401,7 @@
 </p:sld>
 </file>
 
-<file path=ppt/slides/slide3.xml><?xml version="1.0" encoding="utf-8"?>
+<file path=ppt/slides/slide4.xml><?xml version="1.0" encoding="utf-8"?>
 <p:sld xmlns:a="http://schemas.openxmlformats.org/drawingml/2006/main" xmlns:r="http://schemas.openxmlformats.org/officeDocument/2006/relationships" xmlns:p="http://schemas.openxmlformats.org/presentationml/2006/main">
   <p:cSld>
     <p:spTree>
@@ -8543,7 +11494,7 @@
 </p:sld>
 </file>
 
-<file path=ppt/slides/slide4.xml><?xml version="1.0" encoding="utf-8"?>
+<file path=ppt/slides/slide5.xml><?xml version="1.0" encoding="utf-8"?>
 <p:sld xmlns:a="http://schemas.openxmlformats.org/drawingml/2006/main" xmlns:r="http://schemas.openxmlformats.org/officeDocument/2006/relationships" xmlns:p="http://schemas.openxmlformats.org/presentationml/2006/main">
   <p:cSld>
     <p:spTree>

--- a/src/GUILayout/Images/Button_icons.pptx
+++ b/src/GUILayout/Images/Button_icons.pptx
@@ -10,6 +10,10 @@
     <p:sldId id="258" r:id="rId4"/>
     <p:sldId id="259" r:id="rId5"/>
     <p:sldId id="260" r:id="rId6"/>
+    <p:sldId id="263" r:id="rId7"/>
+    <p:sldId id="264" r:id="rId8"/>
+    <p:sldId id="262" r:id="rId9"/>
+    <p:sldId id="266" r:id="rId10"/>
   </p:sldIdLst>
   <p:sldSz cx="12192000" cy="6858000"/>
   <p:notesSz cx="6858000" cy="9144000"/>
@@ -4769,7 +4773,7 @@
           <a:p>
             <a:fld id="{5EED903C-5720-4BE7-A28A-679E9FB2154F}" type="datetimeFigureOut">
               <a:rPr lang="de-DE" smtClean="0"/>
-              <a:t>17.02.2022</a:t>
+              <a:t>28.02.2022</a:t>
             </a:fld>
             <a:endParaRPr lang="de-DE"/>
           </a:p>
@@ -4939,7 +4943,7 @@
           <a:p>
             <a:fld id="{5EED903C-5720-4BE7-A28A-679E9FB2154F}" type="datetimeFigureOut">
               <a:rPr lang="de-DE" smtClean="0"/>
-              <a:t>17.02.2022</a:t>
+              <a:t>28.02.2022</a:t>
             </a:fld>
             <a:endParaRPr lang="de-DE"/>
           </a:p>
@@ -5119,7 +5123,7 @@
           <a:p>
             <a:fld id="{5EED903C-5720-4BE7-A28A-679E9FB2154F}" type="datetimeFigureOut">
               <a:rPr lang="de-DE" smtClean="0"/>
-              <a:t>17.02.2022</a:t>
+              <a:t>28.02.2022</a:t>
             </a:fld>
             <a:endParaRPr lang="de-DE"/>
           </a:p>
@@ -5289,7 +5293,7 @@
           <a:p>
             <a:fld id="{5EED903C-5720-4BE7-A28A-679E9FB2154F}" type="datetimeFigureOut">
               <a:rPr lang="de-DE" smtClean="0"/>
-              <a:t>17.02.2022</a:t>
+              <a:t>28.02.2022</a:t>
             </a:fld>
             <a:endParaRPr lang="de-DE"/>
           </a:p>
@@ -5535,7 +5539,7 @@
           <a:p>
             <a:fld id="{5EED903C-5720-4BE7-A28A-679E9FB2154F}" type="datetimeFigureOut">
               <a:rPr lang="de-DE" smtClean="0"/>
-              <a:t>17.02.2022</a:t>
+              <a:t>28.02.2022</a:t>
             </a:fld>
             <a:endParaRPr lang="de-DE"/>
           </a:p>
@@ -5767,7 +5771,7 @@
           <a:p>
             <a:fld id="{5EED903C-5720-4BE7-A28A-679E9FB2154F}" type="datetimeFigureOut">
               <a:rPr lang="de-DE" smtClean="0"/>
-              <a:t>17.02.2022</a:t>
+              <a:t>28.02.2022</a:t>
             </a:fld>
             <a:endParaRPr lang="de-DE"/>
           </a:p>
@@ -6134,7 +6138,7 @@
           <a:p>
             <a:fld id="{5EED903C-5720-4BE7-A28A-679E9FB2154F}" type="datetimeFigureOut">
               <a:rPr lang="de-DE" smtClean="0"/>
-              <a:t>17.02.2022</a:t>
+              <a:t>28.02.2022</a:t>
             </a:fld>
             <a:endParaRPr lang="de-DE"/>
           </a:p>
@@ -6252,7 +6256,7 @@
           <a:p>
             <a:fld id="{5EED903C-5720-4BE7-A28A-679E9FB2154F}" type="datetimeFigureOut">
               <a:rPr lang="de-DE" smtClean="0"/>
-              <a:t>17.02.2022</a:t>
+              <a:t>28.02.2022</a:t>
             </a:fld>
             <a:endParaRPr lang="de-DE"/>
           </a:p>
@@ -6347,7 +6351,7 @@
           <a:p>
             <a:fld id="{5EED903C-5720-4BE7-A28A-679E9FB2154F}" type="datetimeFigureOut">
               <a:rPr lang="de-DE" smtClean="0"/>
-              <a:t>17.02.2022</a:t>
+              <a:t>28.02.2022</a:t>
             </a:fld>
             <a:endParaRPr lang="de-DE"/>
           </a:p>
@@ -6624,7 +6628,7 @@
           <a:p>
             <a:fld id="{5EED903C-5720-4BE7-A28A-679E9FB2154F}" type="datetimeFigureOut">
               <a:rPr lang="de-DE" smtClean="0"/>
-              <a:t>17.02.2022</a:t>
+              <a:t>28.02.2022</a:t>
             </a:fld>
             <a:endParaRPr lang="de-DE"/>
           </a:p>
@@ -6881,7 +6885,7 @@
           <a:p>
             <a:fld id="{5EED903C-5720-4BE7-A28A-679E9FB2154F}" type="datetimeFigureOut">
               <a:rPr lang="de-DE" smtClean="0"/>
-              <a:t>17.02.2022</a:t>
+              <a:t>28.02.2022</a:t>
             </a:fld>
             <a:endParaRPr lang="de-DE"/>
           </a:p>
@@ -7094,7 +7098,7 @@
           <a:p>
             <a:fld id="{5EED903C-5720-4BE7-A28A-679E9FB2154F}" type="datetimeFigureOut">
               <a:rPr lang="de-DE" smtClean="0"/>
-              <a:t>17.02.2022</a:t>
+              <a:t>28.02.2022</a:t>
             </a:fld>
             <a:endParaRPr lang="de-DE"/>
           </a:p>
@@ -8814,9 +8818,6 @@
                 </a:rPr>
                 <a:t>Value</a:t>
               </a:r>
-              <a:endParaRPr lang="de-DE" sz="1200" dirty="0">
-                <a:latin typeface="Arial Rounded MT Bold" panose="020F0704030504030204" pitchFamily="34" charset="0"/>
-              </a:endParaRPr>
             </a:p>
           </p:txBody>
         </p:sp>
@@ -11370,7 +11371,7 @@
                 <a14:useLocalDpi xmlns:a14="http://schemas.microsoft.com/office/drawing/2010/main" val="0"/>
               </a:ext>
               <a:ext uri="{96DAC541-7B7A-43D3-8B79-37D633B846F1}">
-                <asvg:svgBlip xmlns:asvg="http://schemas.microsoft.com/office/drawing/2016/SVG/main" xmlns="" r:embed="rId3"/>
+                <asvg:svgBlip xmlns="" xmlns:asvg="http://schemas.microsoft.com/office/drawing/2016/SVG/main" r:embed="rId3"/>
               </a:ext>
             </a:extLst>
           </a:blip>
@@ -11466,7 +11467,7 @@
                 <a14:useLocalDpi xmlns:a14="http://schemas.microsoft.com/office/drawing/2010/main" val="0"/>
               </a:ext>
               <a:ext uri="{96DAC541-7B7A-43D3-8B79-37D633B846F1}">
-                <asvg:svgBlip xmlns:asvg="http://schemas.microsoft.com/office/drawing/2016/SVG/main" xmlns="" r:embed="rId3"/>
+                <asvg:svgBlip xmlns="" xmlns:asvg="http://schemas.microsoft.com/office/drawing/2016/SVG/main" r:embed="rId3"/>
               </a:ext>
             </a:extLst>
           </a:blip>
@@ -11980,6 +11981,353 @@
 </p:sld>
 </file>
 
+<file path=ppt/slides/slide6.xml><?xml version="1.0" encoding="utf-8"?>
+<p:sld xmlns:a="http://schemas.openxmlformats.org/drawingml/2006/main" xmlns:r="http://schemas.openxmlformats.org/officeDocument/2006/relationships" xmlns:p="http://schemas.openxmlformats.org/presentationml/2006/main">
+  <p:cSld>
+    <p:spTree>
+      <p:nvGrpSpPr>
+        <p:cNvPr id="1" name=""/>
+        <p:cNvGrpSpPr/>
+        <p:nvPr/>
+      </p:nvGrpSpPr>
+      <p:grpSpPr>
+        <a:xfrm>
+          <a:off x="0" y="0"/>
+          <a:ext cx="0" cy="0"/>
+          <a:chOff x="0" y="0"/>
+          <a:chExt cx="0" cy="0"/>
+        </a:xfrm>
+      </p:grpSpPr>
+      <p:pic>
+        <p:nvPicPr>
+          <p:cNvPr id="4" name="Grafik 3"/>
+          <p:cNvPicPr>
+            <a:picLocks noChangeAspect="1"/>
+          </p:cNvPicPr>
+          <p:nvPr/>
+        </p:nvPicPr>
+        <p:blipFill>
+          <a:blip r:embed="rId2">
+            <a:extLst>
+              <a:ext uri="{28A0092B-C50C-407E-A947-70E740481C1C}">
+                <a14:useLocalDpi xmlns:a14="http://schemas.microsoft.com/office/drawing/2010/main" val="0"/>
+              </a:ext>
+            </a:extLst>
+          </a:blip>
+          <a:stretch>
+            <a:fillRect/>
+          </a:stretch>
+        </p:blipFill>
+        <p:spPr>
+          <a:xfrm>
+            <a:off x="2663930" y="0"/>
+            <a:ext cx="6864140" cy="6858000"/>
+          </a:xfrm>
+          <a:prstGeom prst="rect">
+            <a:avLst/>
+          </a:prstGeom>
+        </p:spPr>
+      </p:pic>
+    </p:spTree>
+    <p:extLst>
+      <p:ext uri="{BB962C8B-B14F-4D97-AF65-F5344CB8AC3E}">
+        <p14:creationId xmlns:p14="http://schemas.microsoft.com/office/powerpoint/2010/main" val="4174723455"/>
+      </p:ext>
+    </p:extLst>
+  </p:cSld>
+  <p:clrMapOvr>
+    <a:masterClrMapping/>
+  </p:clrMapOvr>
+</p:sld>
+</file>
+
+<file path=ppt/slides/slide7.xml><?xml version="1.0" encoding="utf-8"?>
+<p:sld xmlns:a="http://schemas.openxmlformats.org/drawingml/2006/main" xmlns:r="http://schemas.openxmlformats.org/officeDocument/2006/relationships" xmlns:p="http://schemas.openxmlformats.org/presentationml/2006/main">
+  <p:cSld>
+    <p:spTree>
+      <p:nvGrpSpPr>
+        <p:cNvPr id="1" name=""/>
+        <p:cNvGrpSpPr/>
+        <p:nvPr/>
+      </p:nvGrpSpPr>
+      <p:grpSpPr>
+        <a:xfrm>
+          <a:off x="0" y="0"/>
+          <a:ext cx="0" cy="0"/>
+          <a:chOff x="0" y="0"/>
+          <a:chExt cx="0" cy="0"/>
+        </a:xfrm>
+      </p:grpSpPr>
+      <p:pic>
+        <p:nvPicPr>
+          <p:cNvPr id="2" name="Grafik 1"/>
+          <p:cNvPicPr>
+            <a:picLocks noChangeAspect="1"/>
+          </p:cNvPicPr>
+          <p:nvPr/>
+        </p:nvPicPr>
+        <p:blipFill>
+          <a:blip r:embed="rId2">
+            <a:extLst>
+              <a:ext uri="{28A0092B-C50C-407E-A947-70E740481C1C}">
+                <a14:useLocalDpi xmlns:a14="http://schemas.microsoft.com/office/drawing/2010/main" val="0"/>
+              </a:ext>
+            </a:extLst>
+          </a:blip>
+          <a:stretch>
+            <a:fillRect/>
+          </a:stretch>
+        </p:blipFill>
+        <p:spPr>
+          <a:xfrm>
+            <a:off x="2667000" y="0"/>
+            <a:ext cx="6858000" cy="6858000"/>
+          </a:xfrm>
+          <a:prstGeom prst="rect">
+            <a:avLst/>
+          </a:prstGeom>
+        </p:spPr>
+      </p:pic>
+    </p:spTree>
+    <p:extLst>
+      <p:ext uri="{BB962C8B-B14F-4D97-AF65-F5344CB8AC3E}">
+        <p14:creationId xmlns:p14="http://schemas.microsoft.com/office/powerpoint/2010/main" val="1395421951"/>
+      </p:ext>
+    </p:extLst>
+  </p:cSld>
+  <p:clrMapOvr>
+    <a:masterClrMapping/>
+  </p:clrMapOvr>
+</p:sld>
+</file>
+
+<file path=ppt/slides/slide8.xml><?xml version="1.0" encoding="utf-8"?>
+<p:sld xmlns:a="http://schemas.openxmlformats.org/drawingml/2006/main" xmlns:r="http://schemas.openxmlformats.org/officeDocument/2006/relationships" xmlns:p="http://schemas.openxmlformats.org/presentationml/2006/main">
+  <p:cSld>
+    <p:spTree>
+      <p:nvGrpSpPr>
+        <p:cNvPr id="1" name=""/>
+        <p:cNvGrpSpPr/>
+        <p:nvPr/>
+      </p:nvGrpSpPr>
+      <p:grpSpPr>
+        <a:xfrm>
+          <a:off x="0" y="0"/>
+          <a:ext cx="0" cy="0"/>
+          <a:chOff x="0" y="0"/>
+          <a:chExt cx="0" cy="0"/>
+        </a:xfrm>
+      </p:grpSpPr>
+      <p:grpSp>
+        <p:nvGrpSpPr>
+          <p:cNvPr id="8" name="Gruppieren 7"/>
+          <p:cNvGrpSpPr/>
+          <p:nvPr/>
+        </p:nvGrpSpPr>
+        <p:grpSpPr>
+          <a:xfrm>
+            <a:off x="2663930" y="0"/>
+            <a:ext cx="6864140" cy="6858000"/>
+            <a:chOff x="2663930" y="0"/>
+            <a:chExt cx="6864140" cy="6858000"/>
+          </a:xfrm>
+        </p:grpSpPr>
+        <p:pic>
+          <p:nvPicPr>
+            <p:cNvPr id="5" name="Grafik 4"/>
+            <p:cNvPicPr>
+              <a:picLocks noChangeAspect="1"/>
+            </p:cNvPicPr>
+            <p:nvPr/>
+          </p:nvPicPr>
+          <p:blipFill>
+            <a:blip r:embed="rId2">
+              <a:extLst>
+                <a:ext uri="{28A0092B-C50C-407E-A947-70E740481C1C}">
+                  <a14:useLocalDpi xmlns:a14="http://schemas.microsoft.com/office/drawing/2010/main" val="0"/>
+                </a:ext>
+              </a:extLst>
+            </a:blip>
+            <a:stretch>
+              <a:fillRect/>
+            </a:stretch>
+          </p:blipFill>
+          <p:spPr>
+            <a:xfrm>
+              <a:off x="2663930" y="0"/>
+              <a:ext cx="6864140" cy="6858000"/>
+            </a:xfrm>
+            <a:prstGeom prst="rect">
+              <a:avLst/>
+            </a:prstGeom>
+          </p:spPr>
+        </p:pic>
+        <p:sp>
+          <p:nvSpPr>
+            <p:cNvPr id="6" name="Rechteck 5"/>
+            <p:cNvSpPr/>
+            <p:nvPr/>
+          </p:nvSpPr>
+          <p:spPr>
+            <a:xfrm>
+              <a:off x="4476000" y="4057200"/>
+              <a:ext cx="3240000" cy="1260000"/>
+            </a:xfrm>
+            <a:prstGeom prst="rect">
+              <a:avLst/>
+            </a:prstGeom>
+            <a:solidFill>
+              <a:schemeClr val="tx1"/>
+            </a:solidFill>
+            <a:ln>
+              <a:noFill/>
+            </a:ln>
+          </p:spPr>
+          <p:style>
+            <a:lnRef idx="2">
+              <a:schemeClr val="accent1">
+                <a:shade val="50000"/>
+              </a:schemeClr>
+            </a:lnRef>
+            <a:fillRef idx="1">
+              <a:schemeClr val="accent1"/>
+            </a:fillRef>
+            <a:effectRef idx="0">
+              <a:schemeClr val="accent1"/>
+            </a:effectRef>
+            <a:fontRef idx="minor">
+              <a:schemeClr val="lt1"/>
+            </a:fontRef>
+          </p:style>
+          <p:txBody>
+            <a:bodyPr rtlCol="0" anchor="ctr"/>
+            <a:lstStyle/>
+            <a:p>
+              <a:pPr algn="ctr"/>
+              <a:r>
+                <a:rPr lang="de-DE" sz="9600" b="1" dirty="0" smtClean="0">
+                  <a:solidFill>
+                    <a:srgbClr val="353535"/>
+                  </a:solidFill>
+                </a:rPr>
+                <a:t>SBCs</a:t>
+              </a:r>
+              <a:endParaRPr lang="de-DE" sz="7200" b="1" dirty="0">
+                <a:solidFill>
+                  <a:srgbClr val="353535"/>
+                </a:solidFill>
+              </a:endParaRPr>
+            </a:p>
+          </p:txBody>
+        </p:sp>
+        <p:pic>
+          <p:nvPicPr>
+            <p:cNvPr id="7" name="Grafik 6"/>
+            <p:cNvPicPr>
+              <a:picLocks noChangeAspect="1"/>
+            </p:cNvPicPr>
+            <p:nvPr/>
+          </p:nvPicPr>
+          <p:blipFill rotWithShape="1">
+            <a:blip r:embed="rId3">
+              <a:extLst>
+                <a:ext uri="{28A0092B-C50C-407E-A947-70E740481C1C}">
+                  <a14:useLocalDpi xmlns:a14="http://schemas.microsoft.com/office/drawing/2010/main" val="0"/>
+                </a:ext>
+              </a:extLst>
+            </a:blip>
+            <a:srcRect l="19108" t="20147" r="19044" b="34431"/>
+            <a:stretch/>
+          </p:blipFill>
+          <p:spPr>
+            <a:xfrm>
+              <a:off x="4476000" y="1581150"/>
+              <a:ext cx="3240000" cy="2379492"/>
+            </a:xfrm>
+            <a:prstGeom prst="rect">
+              <a:avLst/>
+            </a:prstGeom>
+          </p:spPr>
+        </p:pic>
+      </p:grpSp>
+    </p:spTree>
+    <p:extLst>
+      <p:ext uri="{BB962C8B-B14F-4D97-AF65-F5344CB8AC3E}">
+        <p14:creationId xmlns:p14="http://schemas.microsoft.com/office/powerpoint/2010/main" val="4059622431"/>
+      </p:ext>
+    </p:extLst>
+  </p:cSld>
+  <p:clrMapOvr>
+    <a:masterClrMapping/>
+  </p:clrMapOvr>
+</p:sld>
+</file>
+
+<file path=ppt/slides/slide9.xml><?xml version="1.0" encoding="utf-8"?>
+<p:sld xmlns:a="http://schemas.openxmlformats.org/drawingml/2006/main" xmlns:r="http://schemas.openxmlformats.org/officeDocument/2006/relationships" xmlns:p="http://schemas.openxmlformats.org/presentationml/2006/main">
+  <p:cSld>
+    <p:spTree>
+      <p:nvGrpSpPr>
+        <p:cNvPr id="1" name=""/>
+        <p:cNvGrpSpPr/>
+        <p:nvPr/>
+      </p:nvGrpSpPr>
+      <p:grpSpPr>
+        <a:xfrm>
+          <a:off x="0" y="0"/>
+          <a:ext cx="0" cy="0"/>
+          <a:chOff x="0" y="0"/>
+          <a:chExt cx="0" cy="0"/>
+        </a:xfrm>
+      </p:grpSpPr>
+      <p:pic>
+        <p:nvPicPr>
+          <p:cNvPr id="8" name="Grafik 7"/>
+          <p:cNvPicPr>
+            <a:picLocks noChangeAspect="1"/>
+          </p:cNvPicPr>
+          <p:nvPr/>
+        </p:nvPicPr>
+        <p:blipFill>
+          <a:blip r:embed="rId2">
+            <a:clrChange>
+              <a:clrFrom>
+                <a:srgbClr val="353535"/>
+              </a:clrFrom>
+              <a:clrTo>
+                <a:srgbClr val="353535">
+                  <a:alpha val="0"/>
+                </a:srgbClr>
+              </a:clrTo>
+            </a:clrChange>
+          </a:blip>
+          <a:stretch>
+            <a:fillRect/>
+          </a:stretch>
+        </p:blipFill>
+        <p:spPr>
+          <a:xfrm>
+            <a:off x="2663654" y="-297"/>
+            <a:ext cx="6864691" cy="6858594"/>
+          </a:xfrm>
+          <a:prstGeom prst="rect">
+            <a:avLst/>
+          </a:prstGeom>
+        </p:spPr>
+      </p:pic>
+    </p:spTree>
+    <p:extLst>
+      <p:ext uri="{BB962C8B-B14F-4D97-AF65-F5344CB8AC3E}">
+        <p14:creationId xmlns:p14="http://schemas.microsoft.com/office/powerpoint/2010/main" val="3532233018"/>
+      </p:ext>
+    </p:extLst>
+  </p:cSld>
+  <p:clrMapOvr>
+    <a:masterClrMapping/>
+  </p:clrMapOvr>
+</p:sld>
+</file>
+
 <file path=ppt/theme/theme1.xml><?xml version="1.0" encoding="utf-8"?>
 <a:theme xmlns:a="http://schemas.openxmlformats.org/drawingml/2006/main" name="Office Theme">
   <a:themeElements>
